--- a/uff_201812_analise_de_imagem.bga.pptx
+++ b/uff_201812_analise_de_imagem.bga.pptx
@@ -5,10 +5,10 @@
     <p:sldMasterId id="2147483648" r:id="rId1"/>
   </p:sldMasterIdLst>
   <p:notesMasterIdLst>
-    <p:notesMasterId r:id="rId26"/>
+    <p:notesMasterId r:id="rId27"/>
   </p:notesMasterIdLst>
   <p:handoutMasterIdLst>
-    <p:handoutMasterId r:id="rId27"/>
+    <p:handoutMasterId r:id="rId28"/>
   </p:handoutMasterIdLst>
   <p:sldIdLst>
     <p:sldId id="282" r:id="rId2"/>
@@ -17,24 +17,25 @@
     <p:sldId id="297" r:id="rId5"/>
     <p:sldId id="314" r:id="rId6"/>
     <p:sldId id="318" r:id="rId7"/>
-    <p:sldId id="317" r:id="rId8"/>
-    <p:sldId id="299" r:id="rId9"/>
-    <p:sldId id="311" r:id="rId10"/>
-    <p:sldId id="310" r:id="rId11"/>
-    <p:sldId id="309" r:id="rId12"/>
-    <p:sldId id="312" r:id="rId13"/>
-    <p:sldId id="300" r:id="rId14"/>
-    <p:sldId id="301" r:id="rId15"/>
-    <p:sldId id="302" r:id="rId16"/>
-    <p:sldId id="303" r:id="rId17"/>
-    <p:sldId id="304" r:id="rId18"/>
-    <p:sldId id="305" r:id="rId19"/>
-    <p:sldId id="306" r:id="rId20"/>
-    <p:sldId id="315" r:id="rId21"/>
-    <p:sldId id="307" r:id="rId22"/>
-    <p:sldId id="308" r:id="rId23"/>
-    <p:sldId id="284" r:id="rId24"/>
-    <p:sldId id="283" r:id="rId25"/>
+    <p:sldId id="320" r:id="rId8"/>
+    <p:sldId id="319" r:id="rId9"/>
+    <p:sldId id="299" r:id="rId10"/>
+    <p:sldId id="311" r:id="rId11"/>
+    <p:sldId id="310" r:id="rId12"/>
+    <p:sldId id="309" r:id="rId13"/>
+    <p:sldId id="312" r:id="rId14"/>
+    <p:sldId id="300" r:id="rId15"/>
+    <p:sldId id="301" r:id="rId16"/>
+    <p:sldId id="302" r:id="rId17"/>
+    <p:sldId id="303" r:id="rId18"/>
+    <p:sldId id="304" r:id="rId19"/>
+    <p:sldId id="305" r:id="rId20"/>
+    <p:sldId id="306" r:id="rId21"/>
+    <p:sldId id="315" r:id="rId22"/>
+    <p:sldId id="307" r:id="rId23"/>
+    <p:sldId id="308" r:id="rId24"/>
+    <p:sldId id="284" r:id="rId25"/>
+    <p:sldId id="283" r:id="rId26"/>
   </p:sldIdLst>
   <p:sldSz cx="12192000" cy="6858000"/>
   <p:notesSz cx="6858000" cy="9144000"/>
@@ -24789,6 +24790,390 @@
           <a:chExt cx="0" cy="0"/>
         </a:xfrm>
       </p:grpSpPr>
+      <p:sp>
+        <p:nvSpPr>
+          <p:cNvPr id="3" name="Title 2">
+            <a:extLst>
+              <a:ext uri="{FF2B5EF4-FFF2-40B4-BE49-F238E27FC236}">
+                <a16:creationId xmlns:a16="http://schemas.microsoft.com/office/drawing/2014/main" id="{4DD07902-5021-493A-A03A-87EDEC873E97}"/>
+              </a:ext>
+            </a:extLst>
+          </p:cNvPr>
+          <p:cNvSpPr>
+            <a:spLocks noGrp="1"/>
+          </p:cNvSpPr>
+          <p:nvPr>
+            <p:ph type="title"/>
+          </p:nvPr>
+        </p:nvSpPr>
+        <p:spPr>
+          <a:xfrm>
+            <a:off x="432000" y="432000"/>
+            <a:ext cx="5472000" cy="432000"/>
+          </a:xfrm>
+        </p:spPr>
+        <p:txBody>
+          <a:bodyPr/>
+          <a:lstStyle/>
+          <a:p>
+            <a:r>
+              <a:rPr lang="pt-BR" dirty="0"/>
+              <a:t>Sistemas de cores</a:t>
+            </a:r>
+          </a:p>
+        </p:txBody>
+      </p:sp>
+      <p:sp>
+        <p:nvSpPr>
+          <p:cNvPr id="4" name="Text Placeholder 3">
+            <a:extLst>
+              <a:ext uri="{FF2B5EF4-FFF2-40B4-BE49-F238E27FC236}">
+                <a16:creationId xmlns:a16="http://schemas.microsoft.com/office/drawing/2014/main" id="{E02AE708-90FE-4D9B-8069-FA7A05ADDFF2}"/>
+              </a:ext>
+            </a:extLst>
+          </p:cNvPr>
+          <p:cNvSpPr>
+            <a:spLocks noGrp="1"/>
+          </p:cNvSpPr>
+          <p:nvPr>
+            <p:ph type="body" sz="quarter" idx="32"/>
+          </p:nvPr>
+        </p:nvSpPr>
+        <p:spPr>
+          <a:xfrm>
+            <a:off x="431801" y="1008000"/>
+            <a:ext cx="5472000" cy="360000"/>
+          </a:xfrm>
+        </p:spPr>
+        <p:txBody>
+          <a:bodyPr/>
+          <a:lstStyle/>
+          <a:p>
+            <a:r>
+              <a:rPr lang="pt-BR" sz="2000" dirty="0"/>
+              <a:t>Canais da imagem colorida</a:t>
+            </a:r>
+          </a:p>
+          <a:p>
+            <a:endParaRPr lang="pt-BR" dirty="0"/>
+          </a:p>
+        </p:txBody>
+      </p:sp>
+      <p:sp>
+        <p:nvSpPr>
+          <p:cNvPr id="6" name="Slide Number Placeholder 5">
+            <a:extLst>
+              <a:ext uri="{FF2B5EF4-FFF2-40B4-BE49-F238E27FC236}">
+                <a16:creationId xmlns:a16="http://schemas.microsoft.com/office/drawing/2014/main" id="{B555E711-D53E-4DBC-81EA-56D932EF8F17}"/>
+              </a:ext>
+            </a:extLst>
+          </p:cNvPr>
+          <p:cNvSpPr>
+            <a:spLocks noGrp="1"/>
+          </p:cNvSpPr>
+          <p:nvPr>
+            <p:ph type="sldNum" sz="quarter" idx="33"/>
+          </p:nvPr>
+        </p:nvSpPr>
+        <p:spPr>
+          <a:xfrm>
+            <a:off x="11727656" y="6277243"/>
+            <a:ext cx="464344" cy="400188"/>
+          </a:xfrm>
+        </p:spPr>
+        <p:txBody>
+          <a:bodyPr/>
+          <a:lstStyle/>
+          <a:p>
+            <a:fld id="{19B51A1E-902D-48AF-9020-955120F399B6}" type="slidenum">
+              <a:rPr lang="en-ZA" smtClean="0"/>
+              <a:pPr/>
+              <a:t>10</a:t>
+            </a:fld>
+            <a:endParaRPr lang="en-ZA" dirty="0"/>
+          </a:p>
+        </p:txBody>
+      </p:sp>
+      <p:sp>
+        <p:nvSpPr>
+          <p:cNvPr id="19" name="Rectangle 18">
+            <a:extLst>
+              <a:ext uri="{FF2B5EF4-FFF2-40B4-BE49-F238E27FC236}">
+                <a16:creationId xmlns:a16="http://schemas.microsoft.com/office/drawing/2014/main" id="{623826BE-83E2-4FE5-8F31-99F68ADC47B7}"/>
+              </a:ext>
+            </a:extLst>
+          </p:cNvPr>
+          <p:cNvSpPr/>
+          <p:nvPr/>
+        </p:nvSpPr>
+        <p:spPr>
+          <a:xfrm>
+            <a:off x="8629896" y="3615418"/>
+            <a:ext cx="2826287" cy="707886"/>
+          </a:xfrm>
+          <a:prstGeom prst="rect">
+            <a:avLst/>
+          </a:prstGeom>
+          <a:noFill/>
+        </p:spPr>
+        <p:txBody>
+          <a:bodyPr wrap="square" lIns="91440" tIns="45720" rIns="91440" bIns="45720">
+            <a:spAutoFit/>
+          </a:bodyPr>
+          <a:lstStyle/>
+          <a:p>
+            <a:pPr algn="ctr"/>
+            <a:r>
+              <a:rPr lang="en-US" sz="4000" b="1" dirty="0" err="1">
+                <a:ln w="22225">
+                  <a:solidFill>
+                    <a:schemeClr val="accent2"/>
+                  </a:solidFill>
+                  <a:prstDash val="solid"/>
+                </a:ln>
+                <a:solidFill>
+                  <a:schemeClr val="accent2">
+                    <a:lumMod val="40000"/>
+                    <a:lumOff val="60000"/>
+                  </a:schemeClr>
+                </a:solidFill>
+              </a:rPr>
+              <a:t>Vermelho</a:t>
+            </a:r>
+            <a:endParaRPr lang="en-US" sz="4000" b="1" cap="none" spc="0" dirty="0">
+              <a:ln w="22225">
+                <a:solidFill>
+                  <a:schemeClr val="accent2"/>
+                </a:solidFill>
+                <a:prstDash val="solid"/>
+              </a:ln>
+              <a:solidFill>
+                <a:schemeClr val="accent2">
+                  <a:lumMod val="40000"/>
+                  <a:lumOff val="60000"/>
+                </a:schemeClr>
+              </a:solidFill>
+              <a:effectLst/>
+            </a:endParaRPr>
+          </a:p>
+        </p:txBody>
+      </p:sp>
+      <p:sp>
+        <p:nvSpPr>
+          <p:cNvPr id="20" name="Rectangle 19">
+            <a:extLst>
+              <a:ext uri="{FF2B5EF4-FFF2-40B4-BE49-F238E27FC236}">
+                <a16:creationId xmlns:a16="http://schemas.microsoft.com/office/drawing/2014/main" id="{1CD9A32A-DAE3-439E-A85B-50A188608C8F}"/>
+              </a:ext>
+            </a:extLst>
+          </p:cNvPr>
+          <p:cNvSpPr/>
+          <p:nvPr/>
+        </p:nvSpPr>
+        <p:spPr>
+          <a:xfrm>
+            <a:off x="4922093" y="1631279"/>
+            <a:ext cx="1770917" cy="707886"/>
+          </a:xfrm>
+          <a:prstGeom prst="rect">
+            <a:avLst/>
+          </a:prstGeom>
+          <a:noFill/>
+        </p:spPr>
+        <p:txBody>
+          <a:bodyPr wrap="square" lIns="91440" tIns="45720" rIns="91440" bIns="45720">
+            <a:spAutoFit/>
+          </a:bodyPr>
+          <a:lstStyle/>
+          <a:p>
+            <a:pPr algn="ctr"/>
+            <a:r>
+              <a:rPr lang="en-US" sz="4000" b="1" dirty="0">
+                <a:ln w="12700">
+                  <a:solidFill>
+                    <a:schemeClr val="accent1"/>
+                  </a:solidFill>
+                  <a:prstDash val="solid"/>
+                </a:ln>
+                <a:pattFill prst="pct50">
+                  <a:fgClr>
+                    <a:schemeClr val="accent1"/>
+                  </a:fgClr>
+                  <a:bgClr>
+                    <a:schemeClr val="accent1">
+                      <a:lumMod val="20000"/>
+                      <a:lumOff val="80000"/>
+                    </a:schemeClr>
+                  </a:bgClr>
+                </a:pattFill>
+                <a:effectLst>
+                  <a:outerShdw dist="38100" dir="2640000" algn="bl" rotWithShape="0">
+                    <a:schemeClr val="accent1"/>
+                  </a:outerShdw>
+                </a:effectLst>
+              </a:rPr>
+              <a:t>Azul</a:t>
+            </a:r>
+          </a:p>
+        </p:txBody>
+      </p:sp>
+      <p:sp>
+        <p:nvSpPr>
+          <p:cNvPr id="21" name="Rectangle 20">
+            <a:extLst>
+              <a:ext uri="{FF2B5EF4-FFF2-40B4-BE49-F238E27FC236}">
+                <a16:creationId xmlns:a16="http://schemas.microsoft.com/office/drawing/2014/main" id="{061FC1A0-9E68-4B41-900B-99100643C404}"/>
+              </a:ext>
+            </a:extLst>
+          </p:cNvPr>
+          <p:cNvSpPr/>
+          <p:nvPr/>
+        </p:nvSpPr>
+        <p:spPr>
+          <a:xfrm>
+            <a:off x="8940103" y="221118"/>
+            <a:ext cx="2005660" cy="707886"/>
+          </a:xfrm>
+          <a:prstGeom prst="rect">
+            <a:avLst/>
+          </a:prstGeom>
+          <a:noFill/>
+        </p:spPr>
+        <p:txBody>
+          <a:bodyPr wrap="square" lIns="91440" tIns="45720" rIns="91440" bIns="45720">
+            <a:spAutoFit/>
+          </a:bodyPr>
+          <a:lstStyle/>
+          <a:p>
+            <a:pPr algn="ctr"/>
+            <a:r>
+              <a:rPr lang="en-US" sz="4000" b="1" dirty="0">
+                <a:ln w="12700">
+                  <a:solidFill>
+                    <a:schemeClr val="accent3">
+                      <a:lumMod val="50000"/>
+                    </a:schemeClr>
+                  </a:solidFill>
+                  <a:prstDash val="solid"/>
+                </a:ln>
+                <a:pattFill prst="narHorz">
+                  <a:fgClr>
+                    <a:schemeClr val="accent3"/>
+                  </a:fgClr>
+                  <a:bgClr>
+                    <a:schemeClr val="accent3">
+                      <a:lumMod val="40000"/>
+                      <a:lumOff val="60000"/>
+                    </a:schemeClr>
+                  </a:bgClr>
+                </a:pattFill>
+                <a:effectLst>
+                  <a:innerShdw blurRad="177800">
+                    <a:schemeClr val="accent3">
+                      <a:lumMod val="50000"/>
+                    </a:schemeClr>
+                  </a:innerShdw>
+                </a:effectLst>
+              </a:rPr>
+              <a:t>Verde</a:t>
+            </a:r>
+          </a:p>
+        </p:txBody>
+      </p:sp>
+      <p:sp>
+        <p:nvSpPr>
+          <p:cNvPr id="22" name="TextBox 21">
+            <a:extLst>
+              <a:ext uri="{FF2B5EF4-FFF2-40B4-BE49-F238E27FC236}">
+                <a16:creationId xmlns:a16="http://schemas.microsoft.com/office/drawing/2014/main" id="{031F5E69-B2B4-4CA5-BA72-55B811DADB6F}"/>
+              </a:ext>
+            </a:extLst>
+          </p:cNvPr>
+          <p:cNvSpPr txBox="1"/>
+          <p:nvPr/>
+        </p:nvSpPr>
+        <p:spPr>
+          <a:xfrm>
+            <a:off x="431801" y="6277243"/>
+            <a:ext cx="5988857" cy="369332"/>
+          </a:xfrm>
+          <a:prstGeom prst="rect">
+            <a:avLst/>
+          </a:prstGeom>
+          <a:noFill/>
+        </p:spPr>
+        <p:txBody>
+          <a:bodyPr wrap="square" rtlCol="0">
+            <a:spAutoFit/>
+          </a:bodyPr>
+          <a:lstStyle/>
+          <a:p>
+            <a:r>
+              <a:rPr lang="en-US" dirty="0">
+                <a:solidFill>
+                  <a:srgbClr val="C00000"/>
+                </a:solidFill>
+              </a:rPr>
+              <a:t>(blue, green, red) = cv2.split(image)</a:t>
+            </a:r>
+          </a:p>
+        </p:txBody>
+      </p:sp>
+      <p:sp>
+        <p:nvSpPr>
+          <p:cNvPr id="5" name="Content Placeholder 4">
+            <a:extLst>
+              <a:ext uri="{FF2B5EF4-FFF2-40B4-BE49-F238E27FC236}">
+                <a16:creationId xmlns:a16="http://schemas.microsoft.com/office/drawing/2014/main" id="{2C676F42-FC7E-469B-A064-6B08510DDB8B}"/>
+              </a:ext>
+            </a:extLst>
+          </p:cNvPr>
+          <p:cNvSpPr>
+            <a:spLocks noGrp="1"/>
+          </p:cNvSpPr>
+          <p:nvPr>
+            <p:ph sz="half" idx="1"/>
+          </p:nvPr>
+        </p:nvSpPr>
+        <p:spPr/>
+        <p:txBody>
+          <a:bodyPr/>
+          <a:lstStyle/>
+          <a:p>
+            <a:endParaRPr lang="pt-BR"/>
+          </a:p>
+        </p:txBody>
+      </p:sp>
+    </p:spTree>
+    <p:extLst>
+      <p:ext uri="{BB962C8B-B14F-4D97-AF65-F5344CB8AC3E}">
+        <p14:creationId xmlns:p14="http://schemas.microsoft.com/office/powerpoint/2010/main" val="430560541"/>
+      </p:ext>
+    </p:extLst>
+  </p:cSld>
+  <p:clrMapOvr>
+    <a:masterClrMapping/>
+  </p:clrMapOvr>
+</p:sld>
+</file>
+
+<file path=ppt/slides/slide11.xml><?xml version="1.0" encoding="utf-8"?>
+<p:sld xmlns:a="http://schemas.openxmlformats.org/drawingml/2006/main" xmlns:r="http://schemas.openxmlformats.org/officeDocument/2006/relationships" xmlns:p="http://schemas.openxmlformats.org/presentationml/2006/main">
+  <p:cSld>
+    <p:spTree>
+      <p:nvGrpSpPr>
+        <p:cNvPr id="1" name=""/>
+        <p:cNvGrpSpPr/>
+        <p:nvPr/>
+      </p:nvGrpSpPr>
+      <p:grpSpPr>
+        <a:xfrm>
+          <a:off x="0" y="0"/>
+          <a:ext cx="0" cy="0"/>
+          <a:chOff x="0" y="0"/>
+          <a:chExt cx="0" cy="0"/>
+        </a:xfrm>
+      </p:grpSpPr>
       <p:pic>
         <p:nvPicPr>
           <p:cNvPr id="8" name="Picture Placeholder 7">
@@ -24948,7 +25333,7 @@
             <a:fld id="{19B51A1E-902D-48AF-9020-955120F399B6}" type="slidenum">
               <a:rPr lang="en-ZA" smtClean="0"/>
               <a:pPr/>
-              <a:t>10</a:t>
+              <a:t>11</a:t>
             </a:fld>
             <a:endParaRPr lang="en-ZA" dirty="0"/>
           </a:p>
@@ -25014,7 +25399,7 @@
 </p:sld>
 </file>
 
-<file path=ppt/slides/slide11.xml><?xml version="1.0" encoding="utf-8"?>
+<file path=ppt/slides/slide12.xml><?xml version="1.0" encoding="utf-8"?>
 <p:sld xmlns:a="http://schemas.openxmlformats.org/drawingml/2006/main" xmlns:r="http://schemas.openxmlformats.org/officeDocument/2006/relationships" xmlns:p="http://schemas.openxmlformats.org/presentationml/2006/main">
   <p:cSld>
     <p:bg>
@@ -25308,7 +25693,7 @@
                   <a:spcPts val="600"/>
                 </a:spcAft>
               </a:pPr>
-              <a:t>11</a:t>
+              <a:t>12</a:t>
             </a:fld>
             <a:endParaRPr lang="en-US" sz="1100">
               <a:solidFill>
@@ -25735,357 +26120,6 @@
 </p:sld>
 </file>
 
-<file path=ppt/slides/slide12.xml><?xml version="1.0" encoding="utf-8"?>
-<p:sld xmlns:a="http://schemas.openxmlformats.org/drawingml/2006/main" xmlns:r="http://schemas.openxmlformats.org/officeDocument/2006/relationships" xmlns:p="http://schemas.openxmlformats.org/presentationml/2006/main">
-  <p:cSld>
-    <p:spTree>
-      <p:nvGrpSpPr>
-        <p:cNvPr id="1" name=""/>
-        <p:cNvGrpSpPr/>
-        <p:nvPr/>
-      </p:nvGrpSpPr>
-      <p:grpSpPr>
-        <a:xfrm>
-          <a:off x="0" y="0"/>
-          <a:ext cx="0" cy="0"/>
-          <a:chOff x="0" y="0"/>
-          <a:chExt cx="0" cy="0"/>
-        </a:xfrm>
-      </p:grpSpPr>
-      <p:sp>
-        <p:nvSpPr>
-          <p:cNvPr id="3" name="Title 2">
-            <a:extLst>
-              <a:ext uri="{FF2B5EF4-FFF2-40B4-BE49-F238E27FC236}">
-                <a16:creationId xmlns:a16="http://schemas.microsoft.com/office/drawing/2014/main" id="{06249519-3AE7-45B3-846C-3408817ED286}"/>
-              </a:ext>
-            </a:extLst>
-          </p:cNvPr>
-          <p:cNvSpPr>
-            <a:spLocks noGrp="1"/>
-          </p:cNvSpPr>
-          <p:nvPr>
-            <p:ph type="title"/>
-          </p:nvPr>
-        </p:nvSpPr>
-        <p:spPr>
-          <a:xfrm>
-            <a:off x="432000" y="432000"/>
-            <a:ext cx="11340000" cy="432000"/>
-          </a:xfrm>
-        </p:spPr>
-        <p:txBody>
-          <a:bodyPr/>
-          <a:lstStyle/>
-          <a:p>
-            <a:r>
-              <a:rPr lang="pt-BR"/>
-              <a:t>Sistemas de cores</a:t>
-            </a:r>
-            <a:endParaRPr lang="pt-BR" dirty="0"/>
-          </a:p>
-        </p:txBody>
-      </p:sp>
-      <p:sp>
-        <p:nvSpPr>
-          <p:cNvPr id="4" name="Text Placeholder 3">
-            <a:extLst>
-              <a:ext uri="{FF2B5EF4-FFF2-40B4-BE49-F238E27FC236}">
-                <a16:creationId xmlns:a16="http://schemas.microsoft.com/office/drawing/2014/main" id="{894C961E-8299-401A-9BA0-E965FE55B157}"/>
-              </a:ext>
-            </a:extLst>
-          </p:cNvPr>
-          <p:cNvSpPr>
-            <a:spLocks noGrp="1"/>
-          </p:cNvSpPr>
-          <p:nvPr>
-            <p:ph type="body" sz="quarter" idx="32"/>
-          </p:nvPr>
-        </p:nvSpPr>
-        <p:spPr>
-          <a:xfrm>
-            <a:off x="431800" y="1008000"/>
-            <a:ext cx="11339513" cy="360000"/>
-          </a:xfrm>
-        </p:spPr>
-        <p:txBody>
-          <a:bodyPr/>
-          <a:lstStyle/>
-          <a:p>
-            <a:r>
-              <a:rPr lang="pt-BR" sz="2000" dirty="0"/>
-              <a:t>Outros espaços de cores</a:t>
-            </a:r>
-          </a:p>
-        </p:txBody>
-      </p:sp>
-      <p:sp>
-        <p:nvSpPr>
-          <p:cNvPr id="6" name="Slide Number Placeholder 5">
-            <a:extLst>
-              <a:ext uri="{FF2B5EF4-FFF2-40B4-BE49-F238E27FC236}">
-                <a16:creationId xmlns:a16="http://schemas.microsoft.com/office/drawing/2014/main" id="{50C343C2-2C52-4C2D-AA38-15D5C7D14951}"/>
-              </a:ext>
-            </a:extLst>
-          </p:cNvPr>
-          <p:cNvSpPr>
-            <a:spLocks noGrp="1"/>
-          </p:cNvSpPr>
-          <p:nvPr>
-            <p:ph type="sldNum" sz="quarter" idx="15"/>
-          </p:nvPr>
-        </p:nvSpPr>
-        <p:spPr>
-          <a:xfrm>
-            <a:off x="11727656" y="6277243"/>
-            <a:ext cx="464344" cy="400188"/>
-          </a:xfrm>
-        </p:spPr>
-        <p:txBody>
-          <a:bodyPr/>
-          <a:lstStyle/>
-          <a:p>
-            <a:fld id="{19B51A1E-902D-48AF-9020-955120F399B6}" type="slidenum">
-              <a:rPr lang="en-ZA" smtClean="0"/>
-              <a:pPr/>
-              <a:t>12</a:t>
-            </a:fld>
-            <a:endParaRPr lang="en-ZA" dirty="0"/>
-          </a:p>
-        </p:txBody>
-      </p:sp>
-      <p:sp>
-        <p:nvSpPr>
-          <p:cNvPr id="31" name="TextBox 30">
-            <a:extLst>
-              <a:ext uri="{FF2B5EF4-FFF2-40B4-BE49-F238E27FC236}">
-                <a16:creationId xmlns:a16="http://schemas.microsoft.com/office/drawing/2014/main" id="{81DBA1C3-5F44-466F-B6FA-DA4318A67B8B}"/>
-              </a:ext>
-            </a:extLst>
-          </p:cNvPr>
-          <p:cNvSpPr txBox="1"/>
-          <p:nvPr/>
-        </p:nvSpPr>
-        <p:spPr>
-          <a:xfrm>
-            <a:off x="431800" y="1557475"/>
-            <a:ext cx="574196" cy="400110"/>
-          </a:xfrm>
-          <a:prstGeom prst="rect">
-            <a:avLst/>
-          </a:prstGeom>
-          <a:noFill/>
-        </p:spPr>
-        <p:txBody>
-          <a:bodyPr wrap="none" rtlCol="0">
-            <a:spAutoFit/>
-          </a:bodyPr>
-          <a:lstStyle/>
-          <a:p>
-            <a:r>
-              <a:rPr lang="pt-BR" sz="2000" b="1" dirty="0"/>
-              <a:t>LAB</a:t>
-            </a:r>
-          </a:p>
-        </p:txBody>
-      </p:sp>
-      <p:sp>
-        <p:nvSpPr>
-          <p:cNvPr id="32" name="TextBox 31">
-            <a:extLst>
-              <a:ext uri="{FF2B5EF4-FFF2-40B4-BE49-F238E27FC236}">
-                <a16:creationId xmlns:a16="http://schemas.microsoft.com/office/drawing/2014/main" id="{0A52796B-436B-4C39-BDFA-8C0FF5FB39BB}"/>
-              </a:ext>
-            </a:extLst>
-          </p:cNvPr>
-          <p:cNvSpPr txBox="1"/>
-          <p:nvPr/>
-        </p:nvSpPr>
-        <p:spPr>
-          <a:xfrm>
-            <a:off x="4302125" y="1587810"/>
-            <a:ext cx="603050" cy="400110"/>
-          </a:xfrm>
-          <a:prstGeom prst="rect">
-            <a:avLst/>
-          </a:prstGeom>
-          <a:noFill/>
-        </p:spPr>
-        <p:txBody>
-          <a:bodyPr wrap="none" rtlCol="0">
-            <a:spAutoFit/>
-          </a:bodyPr>
-          <a:lstStyle/>
-          <a:p>
-            <a:r>
-              <a:rPr lang="pt-BR" sz="2000" b="1" dirty="0"/>
-              <a:t>YUV</a:t>
-            </a:r>
-          </a:p>
-        </p:txBody>
-      </p:sp>
-      <p:sp>
-        <p:nvSpPr>
-          <p:cNvPr id="33" name="TextBox 32">
-            <a:extLst>
-              <a:ext uri="{FF2B5EF4-FFF2-40B4-BE49-F238E27FC236}">
-                <a16:creationId xmlns:a16="http://schemas.microsoft.com/office/drawing/2014/main" id="{9AF0FF29-2B6D-478F-99C0-6D317A1F32E2}"/>
-              </a:ext>
-            </a:extLst>
-          </p:cNvPr>
-          <p:cNvSpPr txBox="1"/>
-          <p:nvPr/>
-        </p:nvSpPr>
-        <p:spPr>
-          <a:xfrm>
-            <a:off x="8172450" y="1557475"/>
-            <a:ext cx="592150" cy="400110"/>
-          </a:xfrm>
-          <a:prstGeom prst="rect">
-            <a:avLst/>
-          </a:prstGeom>
-          <a:noFill/>
-        </p:spPr>
-        <p:txBody>
-          <a:bodyPr wrap="none" rtlCol="0">
-            <a:spAutoFit/>
-          </a:bodyPr>
-          <a:lstStyle/>
-          <a:p>
-            <a:r>
-              <a:rPr lang="pt-BR" sz="2000" b="1" dirty="0"/>
-              <a:t>HSV</a:t>
-            </a:r>
-          </a:p>
-        </p:txBody>
-      </p:sp>
-      <p:sp>
-        <p:nvSpPr>
-          <p:cNvPr id="34" name="TextBox 33">
-            <a:extLst>
-              <a:ext uri="{FF2B5EF4-FFF2-40B4-BE49-F238E27FC236}">
-                <a16:creationId xmlns:a16="http://schemas.microsoft.com/office/drawing/2014/main" id="{1E8C34A2-6B35-43EC-9CD7-8497CCA02623}"/>
-              </a:ext>
-            </a:extLst>
-          </p:cNvPr>
-          <p:cNvSpPr txBox="1"/>
-          <p:nvPr/>
-        </p:nvSpPr>
-        <p:spPr>
-          <a:xfrm>
-            <a:off x="8181878" y="4915401"/>
-            <a:ext cx="3598864" cy="323165"/>
-          </a:xfrm>
-          <a:prstGeom prst="rect">
-            <a:avLst/>
-          </a:prstGeom>
-          <a:noFill/>
-        </p:spPr>
-        <p:txBody>
-          <a:bodyPr wrap="square" rtlCol="0">
-            <a:spAutoFit/>
-          </a:bodyPr>
-          <a:lstStyle/>
-          <a:p>
-            <a:r>
-              <a:rPr lang="pt-BR" sz="1500" dirty="0">
-                <a:solidFill>
-                  <a:srgbClr val="C00000"/>
-                </a:solidFill>
-              </a:rPr>
-              <a:t>cv2.cvtColor(imagem, cv2.COLOR_BGR2HSV)</a:t>
-            </a:r>
-          </a:p>
-        </p:txBody>
-      </p:sp>
-      <p:sp>
-        <p:nvSpPr>
-          <p:cNvPr id="5" name="Content Placeholder 4">
-            <a:extLst>
-              <a:ext uri="{FF2B5EF4-FFF2-40B4-BE49-F238E27FC236}">
-                <a16:creationId xmlns:a16="http://schemas.microsoft.com/office/drawing/2014/main" id="{6125F70E-5C30-4A95-AA6D-49FA69D5C469}"/>
-              </a:ext>
-            </a:extLst>
-          </p:cNvPr>
-          <p:cNvSpPr>
-            <a:spLocks noGrp="1"/>
-          </p:cNvSpPr>
-          <p:nvPr>
-            <p:ph idx="1"/>
-          </p:nvPr>
-        </p:nvSpPr>
-        <p:spPr/>
-        <p:txBody>
-          <a:bodyPr/>
-          <a:lstStyle/>
-          <a:p>
-            <a:endParaRPr lang="pt-BR"/>
-          </a:p>
-        </p:txBody>
-      </p:sp>
-      <p:sp>
-        <p:nvSpPr>
-          <p:cNvPr id="8" name="Content Placeholder 7">
-            <a:extLst>
-              <a:ext uri="{FF2B5EF4-FFF2-40B4-BE49-F238E27FC236}">
-                <a16:creationId xmlns:a16="http://schemas.microsoft.com/office/drawing/2014/main" id="{C48F4C7B-5EF3-4FD1-ACAA-E7F0AB1F35A6}"/>
-              </a:ext>
-            </a:extLst>
-          </p:cNvPr>
-          <p:cNvSpPr>
-            <a:spLocks noGrp="1"/>
-          </p:cNvSpPr>
-          <p:nvPr>
-            <p:ph idx="33"/>
-          </p:nvPr>
-        </p:nvSpPr>
-        <p:spPr/>
-        <p:txBody>
-          <a:bodyPr/>
-          <a:lstStyle/>
-          <a:p>
-            <a:endParaRPr lang="pt-BR"/>
-          </a:p>
-        </p:txBody>
-      </p:sp>
-      <p:sp>
-        <p:nvSpPr>
-          <p:cNvPr id="10" name="Content Placeholder 9">
-            <a:extLst>
-              <a:ext uri="{FF2B5EF4-FFF2-40B4-BE49-F238E27FC236}">
-                <a16:creationId xmlns:a16="http://schemas.microsoft.com/office/drawing/2014/main" id="{5E3EE3D7-9C1B-42E9-89EF-6833956EC410}"/>
-              </a:ext>
-            </a:extLst>
-          </p:cNvPr>
-          <p:cNvSpPr>
-            <a:spLocks noGrp="1"/>
-          </p:cNvSpPr>
-          <p:nvPr>
-            <p:ph idx="34"/>
-          </p:nvPr>
-        </p:nvSpPr>
-        <p:spPr/>
-        <p:txBody>
-          <a:bodyPr/>
-          <a:lstStyle/>
-          <a:p>
-            <a:endParaRPr lang="pt-BR"/>
-          </a:p>
-        </p:txBody>
-      </p:sp>
-    </p:spTree>
-    <p:extLst>
-      <p:ext uri="{BB962C8B-B14F-4D97-AF65-F5344CB8AC3E}">
-        <p14:creationId xmlns:p14="http://schemas.microsoft.com/office/powerpoint/2010/main" val="520752364"/>
-      </p:ext>
-    </p:extLst>
-  </p:cSld>
-  <p:clrMapOvr>
-    <a:masterClrMapping/>
-  </p:clrMapOvr>
-</p:sld>
-</file>
-
 <file path=ppt/slides/slide13.xml><?xml version="1.0" encoding="utf-8"?>
 <p:sld xmlns:a="http://schemas.openxmlformats.org/drawingml/2006/main" xmlns:r="http://schemas.openxmlformats.org/officeDocument/2006/relationships" xmlns:p="http://schemas.openxmlformats.org/presentationml/2006/main">
   <p:cSld>
@@ -26108,7 +26142,7 @@
           <p:cNvPr id="3" name="Title 2">
             <a:extLst>
               <a:ext uri="{FF2B5EF4-FFF2-40B4-BE49-F238E27FC236}">
-                <a16:creationId xmlns:a16="http://schemas.microsoft.com/office/drawing/2014/main" id="{27C15BC0-9393-40AC-B066-A0E1FEC1A4AB}"/>
+                <a16:creationId xmlns:a16="http://schemas.microsoft.com/office/drawing/2014/main" id="{06249519-3AE7-45B3-846C-3408817ED286}"/>
               </a:ext>
             </a:extLst>
           </p:cNvPr>
@@ -26119,15 +26153,21 @@
             <p:ph type="title"/>
           </p:nvPr>
         </p:nvSpPr>
-        <p:spPr/>
+        <p:spPr>
+          <a:xfrm>
+            <a:off x="432000" y="432000"/>
+            <a:ext cx="11340000" cy="432000"/>
+          </a:xfrm>
+        </p:spPr>
         <p:txBody>
           <a:bodyPr/>
           <a:lstStyle/>
           <a:p>
             <a:r>
-              <a:rPr lang="pt-BR" dirty="0"/>
-              <a:t>Histogramas de imagem</a:t>
-            </a:r>
+              <a:rPr lang="pt-BR"/>
+              <a:t>Sistemas de cores</a:t>
+            </a:r>
+            <a:endParaRPr lang="pt-BR" dirty="0"/>
           </a:p>
         </p:txBody>
       </p:sp>
@@ -26136,7 +26176,7 @@
           <p:cNvPr id="4" name="Text Placeholder 3">
             <a:extLst>
               <a:ext uri="{FF2B5EF4-FFF2-40B4-BE49-F238E27FC236}">
-                <a16:creationId xmlns:a16="http://schemas.microsoft.com/office/drawing/2014/main" id="{E4244C3F-A941-4FB2-A058-02AE8592205D}"/>
+                <a16:creationId xmlns:a16="http://schemas.microsoft.com/office/drawing/2014/main" id="{894C961E-8299-401A-9BA0-E965FE55B157}"/>
               </a:ext>
             </a:extLst>
           </p:cNvPr>
@@ -26147,14 +26187,198 @@
             <p:ph type="body" sz="quarter" idx="32"/>
           </p:nvPr>
         </p:nvSpPr>
-        <p:spPr/>
+        <p:spPr>
+          <a:xfrm>
+            <a:off x="431800" y="1008000"/>
+            <a:ext cx="11339513" cy="360000"/>
+          </a:xfrm>
+        </p:spPr>
         <p:txBody>
           <a:bodyPr/>
           <a:lstStyle/>
           <a:p>
             <a:r>
               <a:rPr lang="pt-BR" sz="2000" dirty="0"/>
-              <a:t>Identificando qualidade do contraste</a:t>
+              <a:t>Outros espaços de cores</a:t>
+            </a:r>
+          </a:p>
+        </p:txBody>
+      </p:sp>
+      <p:sp>
+        <p:nvSpPr>
+          <p:cNvPr id="6" name="Slide Number Placeholder 5">
+            <a:extLst>
+              <a:ext uri="{FF2B5EF4-FFF2-40B4-BE49-F238E27FC236}">
+                <a16:creationId xmlns:a16="http://schemas.microsoft.com/office/drawing/2014/main" id="{50C343C2-2C52-4C2D-AA38-15D5C7D14951}"/>
+              </a:ext>
+            </a:extLst>
+          </p:cNvPr>
+          <p:cNvSpPr>
+            <a:spLocks noGrp="1"/>
+          </p:cNvSpPr>
+          <p:nvPr>
+            <p:ph type="sldNum" sz="quarter" idx="15"/>
+          </p:nvPr>
+        </p:nvSpPr>
+        <p:spPr>
+          <a:xfrm>
+            <a:off x="11727656" y="6277243"/>
+            <a:ext cx="464344" cy="400188"/>
+          </a:xfrm>
+        </p:spPr>
+        <p:txBody>
+          <a:bodyPr/>
+          <a:lstStyle/>
+          <a:p>
+            <a:fld id="{19B51A1E-902D-48AF-9020-955120F399B6}" type="slidenum">
+              <a:rPr lang="en-ZA" smtClean="0"/>
+              <a:pPr/>
+              <a:t>13</a:t>
+            </a:fld>
+            <a:endParaRPr lang="en-ZA" dirty="0"/>
+          </a:p>
+        </p:txBody>
+      </p:sp>
+      <p:sp>
+        <p:nvSpPr>
+          <p:cNvPr id="31" name="TextBox 30">
+            <a:extLst>
+              <a:ext uri="{FF2B5EF4-FFF2-40B4-BE49-F238E27FC236}">
+                <a16:creationId xmlns:a16="http://schemas.microsoft.com/office/drawing/2014/main" id="{81DBA1C3-5F44-466F-B6FA-DA4318A67B8B}"/>
+              </a:ext>
+            </a:extLst>
+          </p:cNvPr>
+          <p:cNvSpPr txBox="1"/>
+          <p:nvPr/>
+        </p:nvSpPr>
+        <p:spPr>
+          <a:xfrm>
+            <a:off x="431800" y="1557475"/>
+            <a:ext cx="574196" cy="400110"/>
+          </a:xfrm>
+          <a:prstGeom prst="rect">
+            <a:avLst/>
+          </a:prstGeom>
+          <a:noFill/>
+        </p:spPr>
+        <p:txBody>
+          <a:bodyPr wrap="none" rtlCol="0">
+            <a:spAutoFit/>
+          </a:bodyPr>
+          <a:lstStyle/>
+          <a:p>
+            <a:r>
+              <a:rPr lang="pt-BR" sz="2000" b="1" dirty="0"/>
+              <a:t>LAB</a:t>
+            </a:r>
+          </a:p>
+        </p:txBody>
+      </p:sp>
+      <p:sp>
+        <p:nvSpPr>
+          <p:cNvPr id="32" name="TextBox 31">
+            <a:extLst>
+              <a:ext uri="{FF2B5EF4-FFF2-40B4-BE49-F238E27FC236}">
+                <a16:creationId xmlns:a16="http://schemas.microsoft.com/office/drawing/2014/main" id="{0A52796B-436B-4C39-BDFA-8C0FF5FB39BB}"/>
+              </a:ext>
+            </a:extLst>
+          </p:cNvPr>
+          <p:cNvSpPr txBox="1"/>
+          <p:nvPr/>
+        </p:nvSpPr>
+        <p:spPr>
+          <a:xfrm>
+            <a:off x="4302125" y="1587810"/>
+            <a:ext cx="603050" cy="400110"/>
+          </a:xfrm>
+          <a:prstGeom prst="rect">
+            <a:avLst/>
+          </a:prstGeom>
+          <a:noFill/>
+        </p:spPr>
+        <p:txBody>
+          <a:bodyPr wrap="none" rtlCol="0">
+            <a:spAutoFit/>
+          </a:bodyPr>
+          <a:lstStyle/>
+          <a:p>
+            <a:r>
+              <a:rPr lang="pt-BR" sz="2000" b="1" dirty="0"/>
+              <a:t>YUV</a:t>
+            </a:r>
+          </a:p>
+        </p:txBody>
+      </p:sp>
+      <p:sp>
+        <p:nvSpPr>
+          <p:cNvPr id="33" name="TextBox 32">
+            <a:extLst>
+              <a:ext uri="{FF2B5EF4-FFF2-40B4-BE49-F238E27FC236}">
+                <a16:creationId xmlns:a16="http://schemas.microsoft.com/office/drawing/2014/main" id="{9AF0FF29-2B6D-478F-99C0-6D317A1F32E2}"/>
+              </a:ext>
+            </a:extLst>
+          </p:cNvPr>
+          <p:cNvSpPr txBox="1"/>
+          <p:nvPr/>
+        </p:nvSpPr>
+        <p:spPr>
+          <a:xfrm>
+            <a:off x="8172450" y="1557475"/>
+            <a:ext cx="592150" cy="400110"/>
+          </a:xfrm>
+          <a:prstGeom prst="rect">
+            <a:avLst/>
+          </a:prstGeom>
+          <a:noFill/>
+        </p:spPr>
+        <p:txBody>
+          <a:bodyPr wrap="none" rtlCol="0">
+            <a:spAutoFit/>
+          </a:bodyPr>
+          <a:lstStyle/>
+          <a:p>
+            <a:r>
+              <a:rPr lang="pt-BR" sz="2000" b="1" dirty="0"/>
+              <a:t>HSV</a:t>
+            </a:r>
+          </a:p>
+        </p:txBody>
+      </p:sp>
+      <p:sp>
+        <p:nvSpPr>
+          <p:cNvPr id="34" name="TextBox 33">
+            <a:extLst>
+              <a:ext uri="{FF2B5EF4-FFF2-40B4-BE49-F238E27FC236}">
+                <a16:creationId xmlns:a16="http://schemas.microsoft.com/office/drawing/2014/main" id="{1E8C34A2-6B35-43EC-9CD7-8497CCA02623}"/>
+              </a:ext>
+            </a:extLst>
+          </p:cNvPr>
+          <p:cNvSpPr txBox="1"/>
+          <p:nvPr/>
+        </p:nvSpPr>
+        <p:spPr>
+          <a:xfrm>
+            <a:off x="8181878" y="4915401"/>
+            <a:ext cx="3598864" cy="323165"/>
+          </a:xfrm>
+          <a:prstGeom prst="rect">
+            <a:avLst/>
+          </a:prstGeom>
+          <a:noFill/>
+        </p:spPr>
+        <p:txBody>
+          <a:bodyPr wrap="square" rtlCol="0">
+            <a:spAutoFit/>
+          </a:bodyPr>
+          <a:lstStyle/>
+          <a:p>
+            <a:r>
+              <a:rPr lang="pt-BR" sz="1500" dirty="0">
+                <a:solidFill>
+                  <a:srgbClr val="C00000"/>
+                </a:solidFill>
+              </a:rPr>
+              <a:t>cv2.cvtColor(imagem, cv2.COLOR_BGR2HSV)</a:t>
             </a:r>
           </a:p>
         </p:txBody>
@@ -26164,7 +26388,7 @@
           <p:cNvPr id="5" name="Content Placeholder 4">
             <a:extLst>
               <a:ext uri="{FF2B5EF4-FFF2-40B4-BE49-F238E27FC236}">
-                <a16:creationId xmlns:a16="http://schemas.microsoft.com/office/drawing/2014/main" id="{62F391A5-285E-4898-8F32-2DAD312A31A1}"/>
+                <a16:creationId xmlns:a16="http://schemas.microsoft.com/office/drawing/2014/main" id="{6125F70E-5C30-4A95-AA6D-49FA69D5C469}"/>
               </a:ext>
             </a:extLst>
           </p:cNvPr>
@@ -26172,7 +26396,7 @@
             <a:spLocks noGrp="1"/>
           </p:cNvSpPr>
           <p:nvPr>
-            <p:ph sz="half" idx="1"/>
+            <p:ph idx="1"/>
           </p:nvPr>
         </p:nvSpPr>
         <p:spPr/>
@@ -26180,98 +26404,16 @@
           <a:bodyPr/>
           <a:lstStyle/>
           <a:p>
-            <a:pPr marL="0" indent="0">
-              <a:lnSpc>
-                <a:spcPct val="100000"/>
-              </a:lnSpc>
-              <a:buNone/>
-            </a:pPr>
-            <a:r>
-              <a:rPr lang="pt-BR" sz="2000" dirty="0"/>
-              <a:t>Como em uma imagem com tons de cinza só existe um canal (matriz de 2 dimensões) é possível aplicar as operações de histograma direto na imagem. </a:t>
-            </a:r>
-          </a:p>
-          <a:p>
-            <a:pPr marL="0" indent="0">
-              <a:lnSpc>
-                <a:spcPct val="100000"/>
-              </a:lnSpc>
-              <a:buNone/>
-            </a:pPr>
-            <a:r>
-              <a:rPr lang="pt-BR" sz="2000" dirty="0"/>
-              <a:t>E identificar se o contraste pode ser melhorado assim como a diferença entre os objetos na imagem.</a:t>
-            </a:r>
-          </a:p>
-          <a:p>
-            <a:pPr marL="0" indent="0">
-              <a:lnSpc>
-                <a:spcPct val="100000"/>
-              </a:lnSpc>
-              <a:buNone/>
-            </a:pPr>
-            <a:endParaRPr lang="pt-BR" sz="2000" dirty="0"/>
-          </a:p>
-          <a:p>
-            <a:pPr marL="457200" indent="-457200">
-              <a:lnSpc>
-                <a:spcPct val="100000"/>
-              </a:lnSpc>
-              <a:buFont typeface="+mj-lt"/>
-              <a:buAutoNum type="arabicPeriod"/>
-            </a:pPr>
-            <a:r>
-              <a:rPr lang="pt-BR" sz="2000" dirty="0"/>
-              <a:t>Calcula o histograma ‘H’ da imagem;</a:t>
-            </a:r>
-          </a:p>
-          <a:p>
-            <a:pPr marL="457200" indent="-457200">
-              <a:lnSpc>
-                <a:spcPct val="100000"/>
-              </a:lnSpc>
-              <a:buFont typeface="+mj-lt"/>
-              <a:buAutoNum type="arabicPeriod"/>
-            </a:pPr>
-            <a:r>
-              <a:rPr lang="pt-BR" sz="2000" dirty="0"/>
-              <a:t>Normaliza o histograma para garantir que os valores das intensidades dos pixels estejam entre 0 e 255;</a:t>
-            </a:r>
-          </a:p>
-          <a:p>
-            <a:pPr marL="457200" indent="-457200">
-              <a:lnSpc>
-                <a:spcPct val="100000"/>
-              </a:lnSpc>
-              <a:buFont typeface="+mj-lt"/>
-              <a:buAutoNum type="arabicPeriod"/>
-            </a:pPr>
-            <a:r>
-              <a:rPr lang="pt-BR" sz="2000" dirty="0"/>
-              <a:t>Calcula o histograma acumulado;</a:t>
-            </a:r>
-          </a:p>
-          <a:p>
-            <a:pPr marL="457200" indent="-457200">
-              <a:lnSpc>
-                <a:spcPct val="100000"/>
-              </a:lnSpc>
-              <a:buFont typeface="+mj-lt"/>
-              <a:buAutoNum type="arabicPeriod"/>
-            </a:pPr>
-            <a:r>
-              <a:rPr lang="pt-BR" sz="2000" dirty="0"/>
-              <a:t>Transforma a imagem.</a:t>
-            </a:r>
+            <a:endParaRPr lang="pt-BR"/>
           </a:p>
         </p:txBody>
       </p:sp>
       <p:sp>
         <p:nvSpPr>
-          <p:cNvPr id="6" name="Slide Number Placeholder 5">
+          <p:cNvPr id="8" name="Content Placeholder 7">
             <a:extLst>
               <a:ext uri="{FF2B5EF4-FFF2-40B4-BE49-F238E27FC236}">
-                <a16:creationId xmlns:a16="http://schemas.microsoft.com/office/drawing/2014/main" id="{FF755DC2-8456-408D-918D-7E1B34CC6E31}"/>
+                <a16:creationId xmlns:a16="http://schemas.microsoft.com/office/drawing/2014/main" id="{C48F4C7B-5EF3-4FD1-ACAA-E7F0AB1F35A6}"/>
               </a:ext>
             </a:extLst>
           </p:cNvPr>
@@ -26279,7 +26421,7 @@
             <a:spLocks noGrp="1"/>
           </p:cNvSpPr>
           <p:nvPr>
-            <p:ph type="sldNum" sz="quarter" idx="33"/>
+            <p:ph idx="33"/>
           </p:nvPr>
         </p:nvSpPr>
         <p:spPr/>
@@ -26287,81 +26429,16 @@
           <a:bodyPr/>
           <a:lstStyle/>
           <a:p>
-            <a:fld id="{19B51A1E-902D-48AF-9020-955120F399B6}" type="slidenum">
-              <a:rPr lang="en-ZA" smtClean="0"/>
-              <a:pPr/>
-              <a:t>13</a:t>
-            </a:fld>
-            <a:endParaRPr lang="en-ZA" dirty="0"/>
+            <a:endParaRPr lang="pt-BR"/>
           </a:p>
         </p:txBody>
       </p:sp>
-      <p:pic>
-        <p:nvPicPr>
-          <p:cNvPr id="2" name="Picture 1">
-            <a:extLst>
-              <a:ext uri="{FF2B5EF4-FFF2-40B4-BE49-F238E27FC236}">
-                <a16:creationId xmlns:a16="http://schemas.microsoft.com/office/drawing/2014/main" id="{D4EDAD6A-C1F6-432A-9ECA-495896AACF9B}"/>
-              </a:ext>
-            </a:extLst>
-          </p:cNvPr>
-          <p:cNvPicPr>
-            <a:picLocks noChangeAspect="1"/>
-          </p:cNvPicPr>
-          <p:nvPr/>
-        </p:nvPicPr>
-        <p:blipFill>
-          <a:blip r:embed="rId2"/>
-          <a:stretch>
-            <a:fillRect/>
-          </a:stretch>
-        </p:blipFill>
-        <p:spPr>
-          <a:xfrm>
-            <a:off x="4322445" y="5113071"/>
-            <a:ext cx="1352550" cy="466725"/>
-          </a:xfrm>
-          <a:prstGeom prst="rect">
-            <a:avLst/>
-          </a:prstGeom>
-        </p:spPr>
-      </p:pic>
-      <p:pic>
-        <p:nvPicPr>
-          <p:cNvPr id="7" name="Picture 6">
-            <a:extLst>
-              <a:ext uri="{FF2B5EF4-FFF2-40B4-BE49-F238E27FC236}">
-                <a16:creationId xmlns:a16="http://schemas.microsoft.com/office/drawing/2014/main" id="{293058ED-6D02-45D7-8640-C171ABE1B000}"/>
-              </a:ext>
-            </a:extLst>
-          </p:cNvPr>
-          <p:cNvPicPr>
-            <a:picLocks noChangeAspect="1"/>
-          </p:cNvPicPr>
-          <p:nvPr/>
-        </p:nvPicPr>
-        <p:blipFill>
-          <a:blip r:embed="rId3"/>
-          <a:stretch>
-            <a:fillRect/>
-          </a:stretch>
-        </p:blipFill>
-        <p:spPr>
-          <a:xfrm>
-            <a:off x="3167801" y="5579796"/>
-            <a:ext cx="1895475" cy="419100"/>
-          </a:xfrm>
-          <a:prstGeom prst="rect">
-            <a:avLst/>
-          </a:prstGeom>
-        </p:spPr>
-      </p:pic>
       <p:sp>
         <p:nvSpPr>
-          <p:cNvPr id="9" name="Picture Placeholder 8">
+          <p:cNvPr id="10" name="Content Placeholder 9">
             <a:extLst>
               <a:ext uri="{FF2B5EF4-FFF2-40B4-BE49-F238E27FC236}">
-                <a16:creationId xmlns:a16="http://schemas.microsoft.com/office/drawing/2014/main" id="{215A31F2-8ED0-4D29-875D-5AA81296D8F5}"/>
+                <a16:creationId xmlns:a16="http://schemas.microsoft.com/office/drawing/2014/main" id="{5E3EE3D7-9C1B-42E9-89EF-6833956EC410}"/>
               </a:ext>
             </a:extLst>
           </p:cNvPr>
@@ -26369,15 +26446,22 @@
             <a:spLocks noGrp="1"/>
           </p:cNvSpPr>
           <p:nvPr>
-            <p:ph type="pic" sz="quarter" idx="36"/>
+            <p:ph idx="34"/>
           </p:nvPr>
         </p:nvSpPr>
         <p:spPr/>
+        <p:txBody>
+          <a:bodyPr/>
+          <a:lstStyle/>
+          <a:p>
+            <a:endParaRPr lang="pt-BR"/>
+          </a:p>
+        </p:txBody>
       </p:sp>
     </p:spTree>
     <p:extLst>
       <p:ext uri="{BB962C8B-B14F-4D97-AF65-F5344CB8AC3E}">
-        <p14:creationId xmlns:p14="http://schemas.microsoft.com/office/powerpoint/2010/main" val="3378513514"/>
+        <p14:creationId xmlns:p14="http://schemas.microsoft.com/office/powerpoint/2010/main" val="520752364"/>
       </p:ext>
     </p:extLst>
   </p:cSld>
@@ -26404,41 +26488,12 @@
           <a:chExt cx="0" cy="0"/>
         </a:xfrm>
       </p:grpSpPr>
-      <p:pic>
-        <p:nvPicPr>
-          <p:cNvPr id="8" name="Picture Placeholder 7">
-            <a:extLst>
-              <a:ext uri="{FF2B5EF4-FFF2-40B4-BE49-F238E27FC236}">
-                <a16:creationId xmlns:a16="http://schemas.microsoft.com/office/drawing/2014/main" id="{3E139032-8BAB-4906-A8D1-0082447272DC}"/>
-              </a:ext>
-            </a:extLst>
-          </p:cNvPr>
-          <p:cNvPicPr>
-            <a:picLocks noGrp="1" noChangeAspect="1"/>
-          </p:cNvPicPr>
-          <p:nvPr>
-            <p:ph type="pic" sz="quarter" idx="36"/>
-          </p:nvPr>
-        </p:nvPicPr>
-        <p:blipFill>
-          <a:blip r:embed="rId2"/>
-          <a:stretch>
-            <a:fillRect/>
-          </a:stretch>
-        </p:blipFill>
-        <p:spPr>
-          <a:xfrm>
-            <a:off x="5692140" y="550910"/>
-            <a:ext cx="6115485" cy="4389129"/>
-          </a:xfrm>
-        </p:spPr>
-      </p:pic>
       <p:sp>
         <p:nvSpPr>
           <p:cNvPr id="3" name="Title 2">
             <a:extLst>
               <a:ext uri="{FF2B5EF4-FFF2-40B4-BE49-F238E27FC236}">
-                <a16:creationId xmlns:a16="http://schemas.microsoft.com/office/drawing/2014/main" id="{C54A90BD-D912-478F-89CA-BA75AE3817D2}"/>
+                <a16:creationId xmlns:a16="http://schemas.microsoft.com/office/drawing/2014/main" id="{27C15BC0-9393-40AC-B066-A0E1FEC1A4AB}"/>
               </a:ext>
             </a:extLst>
           </p:cNvPr>
@@ -26466,7 +26521,7 @@
           <p:cNvPr id="4" name="Text Placeholder 3">
             <a:extLst>
               <a:ext uri="{FF2B5EF4-FFF2-40B4-BE49-F238E27FC236}">
-                <a16:creationId xmlns:a16="http://schemas.microsoft.com/office/drawing/2014/main" id="{006596A8-D50D-4959-BD5F-3BC77C46C642}"/>
+                <a16:creationId xmlns:a16="http://schemas.microsoft.com/office/drawing/2014/main" id="{E4244C3F-A941-4FB2-A058-02AE8592205D}"/>
               </a:ext>
             </a:extLst>
           </p:cNvPr>
@@ -26477,19 +26532,14 @@
             <p:ph type="body" sz="quarter" idx="32"/>
           </p:nvPr>
         </p:nvSpPr>
-        <p:spPr>
-          <a:xfrm>
-            <a:off x="431801" y="1008000"/>
-            <a:ext cx="5260140" cy="360000"/>
-          </a:xfrm>
-        </p:spPr>
+        <p:spPr/>
         <p:txBody>
           <a:bodyPr/>
           <a:lstStyle/>
           <a:p>
             <a:r>
               <a:rPr lang="pt-BR" sz="2000" dirty="0"/>
-              <a:t>Quantidade de pixels por intensidade</a:t>
+              <a:t>Identificando qualidade do contraste</a:t>
             </a:r>
           </a:p>
         </p:txBody>
@@ -26499,7 +26549,7 @@
           <p:cNvPr id="5" name="Content Placeholder 4">
             <a:extLst>
               <a:ext uri="{FF2B5EF4-FFF2-40B4-BE49-F238E27FC236}">
-                <a16:creationId xmlns:a16="http://schemas.microsoft.com/office/drawing/2014/main" id="{23C9E6C9-8102-4389-B986-55F01F28F36E}"/>
+                <a16:creationId xmlns:a16="http://schemas.microsoft.com/office/drawing/2014/main" id="{62F391A5-285E-4898-8F32-2DAD312A31A1}"/>
               </a:ext>
             </a:extLst>
           </p:cNvPr>
@@ -26510,135 +26560,93 @@
             <p:ph sz="half" idx="1"/>
           </p:nvPr>
         </p:nvSpPr>
-        <p:spPr>
-          <a:xfrm>
-            <a:off x="432000" y="1511566"/>
-            <a:ext cx="5260140" cy="5096624"/>
-          </a:xfrm>
-        </p:spPr>
+        <p:spPr/>
         <p:txBody>
           <a:bodyPr/>
           <a:lstStyle/>
           <a:p>
             <a:pPr marL="0" indent="0">
+              <a:lnSpc>
+                <a:spcPct val="100000"/>
+              </a:lnSpc>
               <a:buNone/>
             </a:pPr>
             <a:r>
-              <a:rPr lang="pt-BR" dirty="0"/>
-              <a:t>Gráfico de colunas que representa a distribuição dos valores dos pixels da imagem (do mais claro até o mais escuro).</a:t>
+              <a:rPr lang="pt-BR" sz="2000" dirty="0"/>
+              <a:t>Como em uma imagem com tons de cinza só existe um canal (matriz de 2 dimensões) é possível aplicar as operações de histograma direto na imagem. </a:t>
             </a:r>
           </a:p>
           <a:p>
             <a:pPr marL="0" indent="0">
+              <a:lnSpc>
+                <a:spcPct val="100000"/>
+              </a:lnSpc>
               <a:buNone/>
             </a:pPr>
             <a:r>
-              <a:rPr lang="pt-BR" dirty="0"/>
-              <a:t>O eixo X possui uma distribuição de 0 a 255, a intensidade do pixel. No eixo Y, a quantidade de pixels daquela intensidade.</a:t>
+              <a:rPr lang="pt-BR" sz="2000" dirty="0"/>
+              <a:t>E identificar se o contraste pode ser melhorado assim como a diferença entre os objetos na imagem.</a:t>
             </a:r>
           </a:p>
           <a:p>
             <a:pPr marL="0" indent="0">
+              <a:lnSpc>
+                <a:spcPct val="100000"/>
+              </a:lnSpc>
               <a:buNone/>
             </a:pPr>
-            <a:endParaRPr lang="pt-BR" dirty="0"/>
-          </a:p>
-          <a:p>
-            <a:pPr marL="0" indent="0">
-              <a:buNone/>
+            <a:endParaRPr lang="pt-BR" sz="2000" dirty="0"/>
+          </a:p>
+          <a:p>
+            <a:pPr marL="457200" indent="-457200">
+              <a:lnSpc>
+                <a:spcPct val="100000"/>
+              </a:lnSpc>
+              <a:buFont typeface="+mj-lt"/>
+              <a:buAutoNum type="arabicPeriod"/>
             </a:pPr>
             <a:r>
-              <a:rPr lang="pt-BR" dirty="0">
-                <a:solidFill>
-                  <a:srgbClr val="C00000"/>
-                </a:solidFill>
-              </a:rPr>
-              <a:t>hist, bins = np.histogram(imagem.flatten(), 256, [0, 256])</a:t>
-            </a:r>
-          </a:p>
-          <a:p>
-            <a:pPr marL="0" indent="0">
-              <a:buNone/>
+              <a:rPr lang="pt-BR" sz="2000" dirty="0"/>
+              <a:t>Calcula o histograma ‘H’ da imagem;</a:t>
+            </a:r>
+          </a:p>
+          <a:p>
+            <a:pPr marL="457200" indent="-457200">
+              <a:lnSpc>
+                <a:spcPct val="100000"/>
+              </a:lnSpc>
+              <a:buFont typeface="+mj-lt"/>
+              <a:buAutoNum type="arabicPeriod"/>
             </a:pPr>
-            <a:endParaRPr lang="pt-BR" dirty="0">
-              <a:solidFill>
-                <a:srgbClr val="C00000"/>
-              </a:solidFill>
-            </a:endParaRPr>
-          </a:p>
-          <a:p>
-            <a:pPr marL="0" indent="0">
-              <a:buNone/>
+            <a:r>
+              <a:rPr lang="pt-BR" sz="2000" dirty="0"/>
+              <a:t>Normaliza o histograma para garantir que os valores das intensidades dos pixels estejam entre 0 e 255;</a:t>
+            </a:r>
+          </a:p>
+          <a:p>
+            <a:pPr marL="457200" indent="-457200">
+              <a:lnSpc>
+                <a:spcPct val="100000"/>
+              </a:lnSpc>
+              <a:buFont typeface="+mj-lt"/>
+              <a:buAutoNum type="arabicPeriod"/>
             </a:pPr>
             <a:r>
-              <a:rPr lang="pt-BR" dirty="0">
-                <a:solidFill>
-                  <a:srgbClr val="C00000"/>
-                </a:solidFill>
-              </a:rPr>
-              <a:t>cdf = hist.cumsum()</a:t>
-            </a:r>
-          </a:p>
-          <a:p>
-            <a:pPr marL="0" indent="0">
-              <a:buNone/>
+              <a:rPr lang="pt-BR" sz="2000" dirty="0"/>
+              <a:t>Calcula o histograma acumulado;</a:t>
+            </a:r>
+          </a:p>
+          <a:p>
+            <a:pPr marL="457200" indent="-457200">
+              <a:lnSpc>
+                <a:spcPct val="100000"/>
+              </a:lnSpc>
+              <a:buFont typeface="+mj-lt"/>
+              <a:buAutoNum type="arabicPeriod"/>
             </a:pPr>
             <a:r>
-              <a:rPr lang="pt-BR" dirty="0">
-                <a:solidFill>
-                  <a:srgbClr val="C00000"/>
-                </a:solidFill>
-              </a:rPr>
-              <a:t>cdf_normalized = cdf * hist.max() / cdf.max()</a:t>
-            </a:r>
-          </a:p>
-          <a:p>
-            <a:pPr marL="0" indent="0">
-              <a:buNone/>
-            </a:pPr>
-            <a:endParaRPr lang="pt-BR" dirty="0">
-              <a:solidFill>
-                <a:srgbClr val="C00000"/>
-              </a:solidFill>
-            </a:endParaRPr>
-          </a:p>
-          <a:p>
-            <a:pPr marL="0" indent="0">
-              <a:buNone/>
-            </a:pPr>
-            <a:r>
-              <a:rPr lang="pt-BR" dirty="0">
-                <a:solidFill>
-                  <a:srgbClr val="C00000"/>
-                </a:solidFill>
-              </a:rPr>
-              <a:t>plt.plot(cdf_normalized, color = 'blue’)</a:t>
-            </a:r>
-          </a:p>
-          <a:p>
-            <a:pPr marL="0" indent="0">
-              <a:buNone/>
-            </a:pPr>
-            <a:r>
-              <a:rPr lang="pt-BR" dirty="0">
-                <a:solidFill>
-                  <a:srgbClr val="C00000"/>
-                </a:solidFill>
-              </a:rPr>
-              <a:t>plt.hist(imagem.flatten(), 256, [0, 256], color = 'red')</a:t>
-            </a:r>
-          </a:p>
-          <a:p>
-            <a:pPr marL="0" indent="0">
-              <a:buNone/>
-            </a:pPr>
-            <a:r>
-              <a:rPr lang="pt-BR" dirty="0">
-                <a:solidFill>
-                  <a:srgbClr val="C00000"/>
-                </a:solidFill>
-              </a:rPr>
-              <a:t>plt.xlim([0, 256])</a:t>
+              <a:rPr lang="pt-BR" sz="2000" dirty="0"/>
+              <a:t>Transforma a imagem.</a:t>
             </a:r>
           </a:p>
         </p:txBody>
@@ -26648,7 +26656,7 @@
           <p:cNvPr id="6" name="Slide Number Placeholder 5">
             <a:extLst>
               <a:ext uri="{FF2B5EF4-FFF2-40B4-BE49-F238E27FC236}">
-                <a16:creationId xmlns:a16="http://schemas.microsoft.com/office/drawing/2014/main" id="{7F139086-F2D8-4DC3-8226-A0496B4F804A}"/>
+                <a16:creationId xmlns:a16="http://schemas.microsoft.com/office/drawing/2014/main" id="{FF755DC2-8456-408D-918D-7E1B34CC6E31}"/>
               </a:ext>
             </a:extLst>
           </p:cNvPr>
@@ -26673,10 +26681,88 @@
           </a:p>
         </p:txBody>
       </p:sp>
+      <p:pic>
+        <p:nvPicPr>
+          <p:cNvPr id="2" name="Picture 1">
+            <a:extLst>
+              <a:ext uri="{FF2B5EF4-FFF2-40B4-BE49-F238E27FC236}">
+                <a16:creationId xmlns:a16="http://schemas.microsoft.com/office/drawing/2014/main" id="{D4EDAD6A-C1F6-432A-9ECA-495896AACF9B}"/>
+              </a:ext>
+            </a:extLst>
+          </p:cNvPr>
+          <p:cNvPicPr>
+            <a:picLocks noChangeAspect="1"/>
+          </p:cNvPicPr>
+          <p:nvPr/>
+        </p:nvPicPr>
+        <p:blipFill>
+          <a:blip r:embed="rId2"/>
+          <a:stretch>
+            <a:fillRect/>
+          </a:stretch>
+        </p:blipFill>
+        <p:spPr>
+          <a:xfrm>
+            <a:off x="4322445" y="5113071"/>
+            <a:ext cx="1352550" cy="466725"/>
+          </a:xfrm>
+          <a:prstGeom prst="rect">
+            <a:avLst/>
+          </a:prstGeom>
+        </p:spPr>
+      </p:pic>
+      <p:pic>
+        <p:nvPicPr>
+          <p:cNvPr id="7" name="Picture 6">
+            <a:extLst>
+              <a:ext uri="{FF2B5EF4-FFF2-40B4-BE49-F238E27FC236}">
+                <a16:creationId xmlns:a16="http://schemas.microsoft.com/office/drawing/2014/main" id="{293058ED-6D02-45D7-8640-C171ABE1B000}"/>
+              </a:ext>
+            </a:extLst>
+          </p:cNvPr>
+          <p:cNvPicPr>
+            <a:picLocks noChangeAspect="1"/>
+          </p:cNvPicPr>
+          <p:nvPr/>
+        </p:nvPicPr>
+        <p:blipFill>
+          <a:blip r:embed="rId3"/>
+          <a:stretch>
+            <a:fillRect/>
+          </a:stretch>
+        </p:blipFill>
+        <p:spPr>
+          <a:xfrm>
+            <a:off x="3167801" y="5579796"/>
+            <a:ext cx="1895475" cy="419100"/>
+          </a:xfrm>
+          <a:prstGeom prst="rect">
+            <a:avLst/>
+          </a:prstGeom>
+        </p:spPr>
+      </p:pic>
+      <p:sp>
+        <p:nvSpPr>
+          <p:cNvPr id="9" name="Picture Placeholder 8">
+            <a:extLst>
+              <a:ext uri="{FF2B5EF4-FFF2-40B4-BE49-F238E27FC236}">
+                <a16:creationId xmlns:a16="http://schemas.microsoft.com/office/drawing/2014/main" id="{215A31F2-8ED0-4D29-875D-5AA81296D8F5}"/>
+              </a:ext>
+            </a:extLst>
+          </p:cNvPr>
+          <p:cNvSpPr>
+            <a:spLocks noGrp="1"/>
+          </p:cNvSpPr>
+          <p:nvPr>
+            <p:ph type="pic" sz="quarter" idx="36"/>
+          </p:nvPr>
+        </p:nvSpPr>
+        <p:spPr/>
+      </p:sp>
     </p:spTree>
     <p:extLst>
       <p:ext uri="{BB962C8B-B14F-4D97-AF65-F5344CB8AC3E}">
-        <p14:creationId xmlns:p14="http://schemas.microsoft.com/office/powerpoint/2010/main" val="619520092"/>
+        <p14:creationId xmlns:p14="http://schemas.microsoft.com/office/powerpoint/2010/main" val="3378513514"/>
       </p:ext>
     </p:extLst>
   </p:cSld>
@@ -26703,12 +26789,41 @@
           <a:chExt cx="0" cy="0"/>
         </a:xfrm>
       </p:grpSpPr>
+      <p:pic>
+        <p:nvPicPr>
+          <p:cNvPr id="8" name="Picture Placeholder 7">
+            <a:extLst>
+              <a:ext uri="{FF2B5EF4-FFF2-40B4-BE49-F238E27FC236}">
+                <a16:creationId xmlns:a16="http://schemas.microsoft.com/office/drawing/2014/main" id="{3E139032-8BAB-4906-A8D1-0082447272DC}"/>
+              </a:ext>
+            </a:extLst>
+          </p:cNvPr>
+          <p:cNvPicPr>
+            <a:picLocks noGrp="1" noChangeAspect="1"/>
+          </p:cNvPicPr>
+          <p:nvPr>
+            <p:ph type="pic" sz="quarter" idx="36"/>
+          </p:nvPr>
+        </p:nvPicPr>
+        <p:blipFill>
+          <a:blip r:embed="rId2"/>
+          <a:stretch>
+            <a:fillRect/>
+          </a:stretch>
+        </p:blipFill>
+        <p:spPr>
+          <a:xfrm>
+            <a:off x="5692140" y="550910"/>
+            <a:ext cx="6115485" cy="4389129"/>
+          </a:xfrm>
+        </p:spPr>
+      </p:pic>
       <p:sp>
         <p:nvSpPr>
           <p:cNvPr id="3" name="Title 2">
             <a:extLst>
               <a:ext uri="{FF2B5EF4-FFF2-40B4-BE49-F238E27FC236}">
-                <a16:creationId xmlns:a16="http://schemas.microsoft.com/office/drawing/2014/main" id="{BC83D5CF-AF1F-48CC-8295-972618F31A7B}"/>
+                <a16:creationId xmlns:a16="http://schemas.microsoft.com/office/drawing/2014/main" id="{C54A90BD-D912-478F-89CA-BA75AE3817D2}"/>
               </a:ext>
             </a:extLst>
           </p:cNvPr>
@@ -26719,21 +26834,15 @@
             <p:ph type="title"/>
           </p:nvPr>
         </p:nvSpPr>
-        <p:spPr>
-          <a:xfrm>
-            <a:off x="432000" y="432000"/>
-            <a:ext cx="5472000" cy="432000"/>
-          </a:xfrm>
-        </p:spPr>
+        <p:spPr/>
         <p:txBody>
           <a:bodyPr/>
           <a:lstStyle/>
           <a:p>
             <a:r>
-              <a:rPr lang="pt-BR"/>
-              <a:t>Equalização de Histograma</a:t>
-            </a:r>
-            <a:endParaRPr lang="pt-BR" dirty="0"/>
+              <a:rPr lang="pt-BR" dirty="0"/>
+              <a:t>Histogramas de imagem</a:t>
+            </a:r>
           </a:p>
         </p:txBody>
       </p:sp>
@@ -26742,7 +26851,7 @@
           <p:cNvPr id="4" name="Text Placeholder 3">
             <a:extLst>
               <a:ext uri="{FF2B5EF4-FFF2-40B4-BE49-F238E27FC236}">
-                <a16:creationId xmlns:a16="http://schemas.microsoft.com/office/drawing/2014/main" id="{17F91354-16BB-4265-9822-3A5B2D9407BC}"/>
+                <a16:creationId xmlns:a16="http://schemas.microsoft.com/office/drawing/2014/main" id="{006596A8-D50D-4959-BD5F-3BC77C46C642}"/>
               </a:ext>
             </a:extLst>
           </p:cNvPr>
@@ -26755,8 +26864,8 @@
         </p:nvSpPr>
         <p:spPr>
           <a:xfrm>
-            <a:off x="431800" y="1008000"/>
-            <a:ext cx="5759993" cy="360000"/>
+            <a:off x="431801" y="1008000"/>
+            <a:ext cx="5260140" cy="360000"/>
           </a:xfrm>
         </p:spPr>
         <p:txBody>
@@ -26764,51 +26873,167 @@
           <a:lstStyle/>
           <a:p>
             <a:r>
-              <a:rPr lang="en-US" dirty="0"/>
-              <a:t>CLAHE (Contrast Limited Adaptive Histogram Equalization)</a:t>
-            </a:r>
-            <a:endParaRPr lang="pt-BR" dirty="0"/>
-          </a:p>
-          <a:p>
-            <a:endParaRPr lang="pt-BR" sz="1600" dirty="0"/>
+              <a:rPr lang="pt-BR" sz="2000" dirty="0"/>
+              <a:t>Quantidade de pixels por intensidade</a:t>
+            </a:r>
           </a:p>
         </p:txBody>
       </p:sp>
-      <p:pic>
-        <p:nvPicPr>
-          <p:cNvPr id="7" name="Content Placeholder 6">
+      <p:sp>
+        <p:nvSpPr>
+          <p:cNvPr id="5" name="Content Placeholder 4">
             <a:extLst>
               <a:ext uri="{FF2B5EF4-FFF2-40B4-BE49-F238E27FC236}">
-                <a16:creationId xmlns:a16="http://schemas.microsoft.com/office/drawing/2014/main" id="{49B4EB40-A4F8-43E7-AF0B-ABA6D4CDE293}"/>
+                <a16:creationId xmlns:a16="http://schemas.microsoft.com/office/drawing/2014/main" id="{23C9E6C9-8102-4389-B986-55F01F28F36E}"/>
               </a:ext>
             </a:extLst>
           </p:cNvPr>
-          <p:cNvPicPr>
-            <a:picLocks noGrp="1" noChangeAspect="1"/>
-          </p:cNvPicPr>
+          <p:cNvSpPr>
+            <a:spLocks noGrp="1"/>
+          </p:cNvSpPr>
           <p:nvPr>
             <p:ph sz="half" idx="1"/>
           </p:nvPr>
-        </p:nvPicPr>
-        <p:blipFill>
-          <a:blip r:embed="rId2"/>
-          <a:stretch>
-            <a:fillRect/>
-          </a:stretch>
-        </p:blipFill>
+        </p:nvSpPr>
         <p:spPr>
           <a:xfrm>
-            <a:off x="431800" y="1363795"/>
-            <a:ext cx="5472113" cy="4104084"/>
+            <a:off x="432000" y="1511566"/>
+            <a:ext cx="5260140" cy="5096624"/>
           </a:xfrm>
         </p:spPr>
-      </p:pic>
+        <p:txBody>
+          <a:bodyPr/>
+          <a:lstStyle/>
+          <a:p>
+            <a:pPr marL="0" indent="0">
+              <a:buNone/>
+            </a:pPr>
+            <a:r>
+              <a:rPr lang="pt-BR" dirty="0"/>
+              <a:t>Gráfico de colunas que representa a distribuição dos valores dos pixels da imagem (do mais claro até o mais escuro).</a:t>
+            </a:r>
+          </a:p>
+          <a:p>
+            <a:pPr marL="0" indent="0">
+              <a:buNone/>
+            </a:pPr>
+            <a:r>
+              <a:rPr lang="pt-BR" dirty="0"/>
+              <a:t>O eixo X possui uma distribuição de 0 a 255, a intensidade do pixel. No eixo Y, a quantidade de pixels daquela intensidade.</a:t>
+            </a:r>
+          </a:p>
+          <a:p>
+            <a:pPr marL="0" indent="0">
+              <a:buNone/>
+            </a:pPr>
+            <a:endParaRPr lang="pt-BR" dirty="0"/>
+          </a:p>
+          <a:p>
+            <a:pPr marL="0" indent="0">
+              <a:buNone/>
+            </a:pPr>
+            <a:r>
+              <a:rPr lang="pt-BR" dirty="0">
+                <a:solidFill>
+                  <a:srgbClr val="C00000"/>
+                </a:solidFill>
+              </a:rPr>
+              <a:t>hist, bins = np.histogram(imagem.flatten(), 256, [0, 256])</a:t>
+            </a:r>
+          </a:p>
+          <a:p>
+            <a:pPr marL="0" indent="0">
+              <a:buNone/>
+            </a:pPr>
+            <a:endParaRPr lang="pt-BR" dirty="0">
+              <a:solidFill>
+                <a:srgbClr val="C00000"/>
+              </a:solidFill>
+            </a:endParaRPr>
+          </a:p>
+          <a:p>
+            <a:pPr marL="0" indent="0">
+              <a:buNone/>
+            </a:pPr>
+            <a:r>
+              <a:rPr lang="pt-BR" dirty="0">
+                <a:solidFill>
+                  <a:srgbClr val="C00000"/>
+                </a:solidFill>
+              </a:rPr>
+              <a:t>cdf = hist.cumsum()</a:t>
+            </a:r>
+          </a:p>
+          <a:p>
+            <a:pPr marL="0" indent="0">
+              <a:buNone/>
+            </a:pPr>
+            <a:r>
+              <a:rPr lang="pt-BR" dirty="0">
+                <a:solidFill>
+                  <a:srgbClr val="C00000"/>
+                </a:solidFill>
+              </a:rPr>
+              <a:t>cdf_normalized = cdf * hist.max() / cdf.max()</a:t>
+            </a:r>
+          </a:p>
+          <a:p>
+            <a:pPr marL="0" indent="0">
+              <a:buNone/>
+            </a:pPr>
+            <a:endParaRPr lang="pt-BR" dirty="0">
+              <a:solidFill>
+                <a:srgbClr val="C00000"/>
+              </a:solidFill>
+            </a:endParaRPr>
+          </a:p>
+          <a:p>
+            <a:pPr marL="0" indent="0">
+              <a:buNone/>
+            </a:pPr>
+            <a:r>
+              <a:rPr lang="pt-BR" dirty="0">
+                <a:solidFill>
+                  <a:srgbClr val="C00000"/>
+                </a:solidFill>
+              </a:rPr>
+              <a:t>plt.plot(cdf_normalized, color = 'blue’)</a:t>
+            </a:r>
+          </a:p>
+          <a:p>
+            <a:pPr marL="0" indent="0">
+              <a:buNone/>
+            </a:pPr>
+            <a:r>
+              <a:rPr lang="pt-BR" dirty="0">
+                <a:solidFill>
+                  <a:srgbClr val="C00000"/>
+                </a:solidFill>
+              </a:rPr>
+              <a:t>plt.hist(imagem.flatten(), 256, [0, 256], color = 'red')</a:t>
+            </a:r>
+          </a:p>
+          <a:p>
+            <a:pPr marL="0" indent="0">
+              <a:buNone/>
+            </a:pPr>
+            <a:r>
+              <a:rPr lang="pt-BR" dirty="0">
+                <a:solidFill>
+                  <a:srgbClr val="C00000"/>
+                </a:solidFill>
+              </a:rPr>
+              <a:t>plt.xlim([0, 256])</a:t>
+            </a:r>
+          </a:p>
+        </p:txBody>
+      </p:sp>
       <p:sp>
         <p:nvSpPr>
           <p:cNvPr id="6" name="Slide Number Placeholder 5">
             <a:extLst>
               <a:ext uri="{FF2B5EF4-FFF2-40B4-BE49-F238E27FC236}">
-                <a16:creationId xmlns:a16="http://schemas.microsoft.com/office/drawing/2014/main" id="{FF56ADB8-AAA3-4C25-82BD-D2724FA8D17C}"/>
+                <a16:creationId xmlns:a16="http://schemas.microsoft.com/office/drawing/2014/main" id="{7F139086-F2D8-4DC3-8226-A0496B4F804A}"/>
               </a:ext>
             </a:extLst>
           </p:cNvPr>
@@ -26819,12 +27044,7 @@
             <p:ph type="sldNum" sz="quarter" idx="33"/>
           </p:nvPr>
         </p:nvSpPr>
-        <p:spPr>
-          <a:xfrm>
-            <a:off x="11727656" y="6277243"/>
-            <a:ext cx="464344" cy="400188"/>
-          </a:xfrm>
-        </p:spPr>
+        <p:spPr/>
         <p:txBody>
           <a:bodyPr/>
           <a:lstStyle/>
@@ -26838,63 +27058,10 @@
           </a:p>
         </p:txBody>
       </p:sp>
-      <p:sp>
-        <p:nvSpPr>
-          <p:cNvPr id="9" name="TextBox 8">
-            <a:extLst>
-              <a:ext uri="{FF2B5EF4-FFF2-40B4-BE49-F238E27FC236}">
-                <a16:creationId xmlns:a16="http://schemas.microsoft.com/office/drawing/2014/main" id="{4C2E9EEF-3203-4C4E-96E1-98D25AB1D76C}"/>
-              </a:ext>
-            </a:extLst>
-          </p:cNvPr>
-          <p:cNvSpPr txBox="1"/>
-          <p:nvPr/>
-        </p:nvSpPr>
-        <p:spPr>
-          <a:xfrm>
-            <a:off x="397508" y="5554007"/>
-            <a:ext cx="5698492" cy="1200329"/>
-          </a:xfrm>
-          <a:prstGeom prst="rect">
-            <a:avLst/>
-          </a:prstGeom>
-          <a:noFill/>
-        </p:spPr>
-        <p:txBody>
-          <a:bodyPr wrap="square" rtlCol="0">
-            <a:spAutoFit/>
-          </a:bodyPr>
-          <a:lstStyle/>
-          <a:p>
-            <a:r>
-              <a:rPr lang="pt-BR" dirty="0"/>
-              <a:t>A equalização adaptativa, divide a imagem em pequenos blocos (8x8 por padrão no OpenCV). Então para cada bloco o histograma é equalizado normalmente. O único problema é que se existir um ruido na região, ele vai ser amplificado.</a:t>
-            </a:r>
-          </a:p>
-        </p:txBody>
-      </p:sp>
-      <p:sp>
-        <p:nvSpPr>
-          <p:cNvPr id="5" name="Picture Placeholder 4">
-            <a:extLst>
-              <a:ext uri="{FF2B5EF4-FFF2-40B4-BE49-F238E27FC236}">
-                <a16:creationId xmlns:a16="http://schemas.microsoft.com/office/drawing/2014/main" id="{116654D3-9AA6-4CA6-84DD-92EA6E3192CF}"/>
-              </a:ext>
-            </a:extLst>
-          </p:cNvPr>
-          <p:cNvSpPr>
-            <a:spLocks noGrp="1"/>
-          </p:cNvSpPr>
-          <p:nvPr>
-            <p:ph type="pic" sz="quarter" idx="36"/>
-          </p:nvPr>
-        </p:nvSpPr>
-        <p:spPr/>
-      </p:sp>
     </p:spTree>
     <p:extLst>
       <p:ext uri="{BB962C8B-B14F-4D97-AF65-F5344CB8AC3E}">
-        <p14:creationId xmlns:p14="http://schemas.microsoft.com/office/powerpoint/2010/main" val="3299775868"/>
+        <p14:creationId xmlns:p14="http://schemas.microsoft.com/office/powerpoint/2010/main" val="619520092"/>
       </p:ext>
     </p:extLst>
   </p:cSld>
@@ -26926,7 +27093,7 @@
           <p:cNvPr id="3" name="Title 2">
             <a:extLst>
               <a:ext uri="{FF2B5EF4-FFF2-40B4-BE49-F238E27FC236}">
-                <a16:creationId xmlns:a16="http://schemas.microsoft.com/office/drawing/2014/main" id="{FB8F19DE-561A-4698-994B-2D75334E5E91}"/>
+                <a16:creationId xmlns:a16="http://schemas.microsoft.com/office/drawing/2014/main" id="{BC83D5CF-AF1F-48CC-8295-972618F31A7B}"/>
               </a:ext>
             </a:extLst>
           </p:cNvPr>
@@ -26937,15 +27104,21 @@
             <p:ph type="title"/>
           </p:nvPr>
         </p:nvSpPr>
-        <p:spPr/>
+        <p:spPr>
+          <a:xfrm>
+            <a:off x="432000" y="432000"/>
+            <a:ext cx="5472000" cy="432000"/>
+          </a:xfrm>
+        </p:spPr>
         <p:txBody>
           <a:bodyPr/>
           <a:lstStyle/>
           <a:p>
             <a:r>
-              <a:rPr lang="pt-BR" dirty="0"/>
-              <a:t>Suavização de imagens</a:t>
-            </a:r>
+              <a:rPr lang="pt-BR"/>
+              <a:t>Equalização de Histograma</a:t>
+            </a:r>
+            <a:endParaRPr lang="pt-BR" dirty="0"/>
           </a:p>
         </p:txBody>
       </p:sp>
@@ -26954,7 +27127,7 @@
           <p:cNvPr id="4" name="Text Placeholder 3">
             <a:extLst>
               <a:ext uri="{FF2B5EF4-FFF2-40B4-BE49-F238E27FC236}">
-                <a16:creationId xmlns:a16="http://schemas.microsoft.com/office/drawing/2014/main" id="{DC53D61E-304B-457E-AAEC-54809F3B11DB}"/>
+                <a16:creationId xmlns:a16="http://schemas.microsoft.com/office/drawing/2014/main" id="{17F91354-16BB-4265-9822-3A5B2D9407BC}"/>
               </a:ext>
             </a:extLst>
           </p:cNvPr>
@@ -26965,77 +27138,62 @@
             <p:ph type="body" sz="quarter" idx="32"/>
           </p:nvPr>
         </p:nvSpPr>
-        <p:spPr/>
+        <p:spPr>
+          <a:xfrm>
+            <a:off x="431800" y="1008000"/>
+            <a:ext cx="5759993" cy="360000"/>
+          </a:xfrm>
+        </p:spPr>
         <p:txBody>
           <a:bodyPr/>
           <a:lstStyle/>
           <a:p>
             <a:r>
-              <a:rPr lang="pt-BR" dirty="0"/>
-              <a:t>Suavização pela Gaussiana</a:t>
-            </a:r>
+              <a:rPr lang="en-US" dirty="0"/>
+              <a:t>CLAHE (Contrast Limited Adaptive Histogram Equalization)</a:t>
+            </a:r>
+            <a:endParaRPr lang="pt-BR" dirty="0"/>
+          </a:p>
+          <a:p>
+            <a:endParaRPr lang="pt-BR" sz="1600" dirty="0"/>
           </a:p>
         </p:txBody>
       </p:sp>
-      <p:sp>
-        <p:nvSpPr>
-          <p:cNvPr id="5" name="Content Placeholder 4">
+      <p:pic>
+        <p:nvPicPr>
+          <p:cNvPr id="7" name="Content Placeholder 6">
             <a:extLst>
               <a:ext uri="{FF2B5EF4-FFF2-40B4-BE49-F238E27FC236}">
-                <a16:creationId xmlns:a16="http://schemas.microsoft.com/office/drawing/2014/main" id="{46302DBA-5411-408B-90D8-282C189CA799}"/>
+                <a16:creationId xmlns:a16="http://schemas.microsoft.com/office/drawing/2014/main" id="{49B4EB40-A4F8-43E7-AF0B-ABA6D4CDE293}"/>
               </a:ext>
             </a:extLst>
           </p:cNvPr>
-          <p:cNvSpPr>
-            <a:spLocks noGrp="1"/>
-          </p:cNvSpPr>
+          <p:cNvPicPr>
+            <a:picLocks noGrp="1" noChangeAspect="1"/>
+          </p:cNvPicPr>
           <p:nvPr>
             <p:ph sz="half" idx="1"/>
           </p:nvPr>
-        </p:nvSpPr>
-        <p:spPr/>
-        <p:txBody>
-          <a:bodyPr/>
-          <a:lstStyle/>
-          <a:p>
-            <a:pPr marL="0" indent="0">
-              <a:lnSpc>
-                <a:spcPct val="100000"/>
-              </a:lnSpc>
-              <a:buNone/>
-            </a:pPr>
-            <a:r>
-              <a:rPr lang="pt-BR" sz="2000" dirty="0"/>
-              <a:t>É possível especificar a quantidade de desvios padrão no eixo X e Y (horizontal e vertical).</a:t>
-            </a:r>
-          </a:p>
-          <a:p>
-            <a:pPr marL="0" indent="0">
-              <a:buNone/>
-            </a:pPr>
-            <a:endParaRPr lang="pt-BR" dirty="0"/>
-          </a:p>
-          <a:p>
-            <a:pPr marL="0" indent="0">
-              <a:buNone/>
-            </a:pPr>
-            <a:r>
-              <a:rPr lang="pt-BR" dirty="0">
-                <a:solidFill>
-                  <a:srgbClr val="C00000"/>
-                </a:solidFill>
-              </a:rPr>
-              <a:t>cv2.GaussianBlur(img, (11, 11), 0)</a:t>
-            </a:r>
-          </a:p>
-        </p:txBody>
-      </p:sp>
+        </p:nvPicPr>
+        <p:blipFill>
+          <a:blip r:embed="rId2"/>
+          <a:stretch>
+            <a:fillRect/>
+          </a:stretch>
+        </p:blipFill>
+        <p:spPr>
+          <a:xfrm>
+            <a:off x="431800" y="1363795"/>
+            <a:ext cx="5472113" cy="4104084"/>
+          </a:xfrm>
+        </p:spPr>
+      </p:pic>
       <p:sp>
         <p:nvSpPr>
           <p:cNvPr id="6" name="Slide Number Placeholder 5">
             <a:extLst>
               <a:ext uri="{FF2B5EF4-FFF2-40B4-BE49-F238E27FC236}">
-                <a16:creationId xmlns:a16="http://schemas.microsoft.com/office/drawing/2014/main" id="{5F35EC65-637F-4F25-AF3D-88C85B7F4C5A}"/>
+                <a16:creationId xmlns:a16="http://schemas.microsoft.com/office/drawing/2014/main" id="{FF56ADB8-AAA3-4C25-82BD-D2724FA8D17C}"/>
               </a:ext>
             </a:extLst>
           </p:cNvPr>
@@ -27046,7 +27204,12 @@
             <p:ph type="sldNum" sz="quarter" idx="33"/>
           </p:nvPr>
         </p:nvSpPr>
-        <p:spPr/>
+        <p:spPr>
+          <a:xfrm>
+            <a:off x="11727656" y="6277243"/>
+            <a:ext cx="464344" cy="400188"/>
+          </a:xfrm>
+        </p:spPr>
         <p:txBody>
           <a:bodyPr/>
           <a:lstStyle/>
@@ -27062,10 +27225,45 @@
       </p:sp>
       <p:sp>
         <p:nvSpPr>
-          <p:cNvPr id="7" name="Picture Placeholder 6">
+          <p:cNvPr id="9" name="TextBox 8">
             <a:extLst>
               <a:ext uri="{FF2B5EF4-FFF2-40B4-BE49-F238E27FC236}">
-                <a16:creationId xmlns:a16="http://schemas.microsoft.com/office/drawing/2014/main" id="{FCBD9C37-C9FD-4FD2-93A6-109107FADC39}"/>
+                <a16:creationId xmlns:a16="http://schemas.microsoft.com/office/drawing/2014/main" id="{4C2E9EEF-3203-4C4E-96E1-98D25AB1D76C}"/>
+              </a:ext>
+            </a:extLst>
+          </p:cNvPr>
+          <p:cNvSpPr txBox="1"/>
+          <p:nvPr/>
+        </p:nvSpPr>
+        <p:spPr>
+          <a:xfrm>
+            <a:off x="397508" y="5554007"/>
+            <a:ext cx="5698492" cy="1200329"/>
+          </a:xfrm>
+          <a:prstGeom prst="rect">
+            <a:avLst/>
+          </a:prstGeom>
+          <a:noFill/>
+        </p:spPr>
+        <p:txBody>
+          <a:bodyPr wrap="square" rtlCol="0">
+            <a:spAutoFit/>
+          </a:bodyPr>
+          <a:lstStyle/>
+          <a:p>
+            <a:r>
+              <a:rPr lang="pt-BR" dirty="0"/>
+              <a:t>A equalização adaptativa, divide a imagem em pequenos blocos (8x8 por padrão no OpenCV). Então para cada bloco o histograma é equalizado normalmente. O único problema é que se existir um ruido na região, ele vai ser amplificado.</a:t>
+            </a:r>
+          </a:p>
+        </p:txBody>
+      </p:sp>
+      <p:sp>
+        <p:nvSpPr>
+          <p:cNvPr id="5" name="Picture Placeholder 4">
+            <a:extLst>
+              <a:ext uri="{FF2B5EF4-FFF2-40B4-BE49-F238E27FC236}">
+                <a16:creationId xmlns:a16="http://schemas.microsoft.com/office/drawing/2014/main" id="{116654D3-9AA6-4CA6-84DD-92EA6E3192CF}"/>
               </a:ext>
             </a:extLst>
           </p:cNvPr>
@@ -27081,7 +27279,7 @@
     </p:spTree>
     <p:extLst>
       <p:ext uri="{BB962C8B-B14F-4D97-AF65-F5344CB8AC3E}">
-        <p14:creationId xmlns:p14="http://schemas.microsoft.com/office/powerpoint/2010/main" val="3216689072"/>
+        <p14:creationId xmlns:p14="http://schemas.microsoft.com/office/powerpoint/2010/main" val="3299775868"/>
       </p:ext>
     </p:extLst>
   </p:cSld>
@@ -27113,7 +27311,7 @@
           <p:cNvPr id="3" name="Title 2">
             <a:extLst>
               <a:ext uri="{FF2B5EF4-FFF2-40B4-BE49-F238E27FC236}">
-                <a16:creationId xmlns:a16="http://schemas.microsoft.com/office/drawing/2014/main" id="{327C4146-6D5B-4A3A-9108-BD96BDCB36E6}"/>
+                <a16:creationId xmlns:a16="http://schemas.microsoft.com/office/drawing/2014/main" id="{FB8F19DE-561A-4698-994B-2D75334E5E91}"/>
               </a:ext>
             </a:extLst>
           </p:cNvPr>
@@ -27141,7 +27339,7 @@
           <p:cNvPr id="4" name="Text Placeholder 3">
             <a:extLst>
               <a:ext uri="{FF2B5EF4-FFF2-40B4-BE49-F238E27FC236}">
-                <a16:creationId xmlns:a16="http://schemas.microsoft.com/office/drawing/2014/main" id="{F981A26E-E8CC-45A0-AC72-83570B43FF01}"/>
+                <a16:creationId xmlns:a16="http://schemas.microsoft.com/office/drawing/2014/main" id="{DC53D61E-304B-457E-AAEC-54809F3B11DB}"/>
               </a:ext>
             </a:extLst>
           </p:cNvPr>
@@ -27159,7 +27357,7 @@
           <a:p>
             <a:r>
               <a:rPr lang="pt-BR" dirty="0"/>
-              <a:t>Suavização pela mediana</a:t>
+              <a:t>Suavização pela Gaussiana</a:t>
             </a:r>
           </a:p>
         </p:txBody>
@@ -27169,7 +27367,7 @@
           <p:cNvPr id="5" name="Content Placeholder 4">
             <a:extLst>
               <a:ext uri="{FF2B5EF4-FFF2-40B4-BE49-F238E27FC236}">
-                <a16:creationId xmlns:a16="http://schemas.microsoft.com/office/drawing/2014/main" id="{13976135-B96A-41C0-BD8E-13B2BC0F024E}"/>
+                <a16:creationId xmlns:a16="http://schemas.microsoft.com/office/drawing/2014/main" id="{46302DBA-5411-408B-90D8-282C189CA799}"/>
               </a:ext>
             </a:extLst>
           </p:cNvPr>
@@ -27193,7 +27391,7 @@
             </a:pPr>
             <a:r>
               <a:rPr lang="pt-BR" sz="2000" dirty="0"/>
-              <a:t>Da mesma forma que a suavização anteriore, temos o cálculo de uma caixa ou janela quadrada sobre um pixel central onde matematicamente se utiliza a mediana para calcular o valor final do pixel.</a:t>
+              <a:t>É possível especificar a quantidade de desvios padrão no eixo X e Y (horizontal e vertical).</a:t>
             </a:r>
           </a:p>
           <a:p>
@@ -27212,7 +27410,7 @@
                   <a:srgbClr val="C00000"/>
                 </a:solidFill>
               </a:rPr>
-              <a:t>cv2.medianBlur(img, 7)</a:t>
+              <a:t>cv2.GaussianBlur(img, (11, 11), 0)</a:t>
             </a:r>
           </a:p>
         </p:txBody>
@@ -27222,7 +27420,7 @@
           <p:cNvPr id="6" name="Slide Number Placeholder 5">
             <a:extLst>
               <a:ext uri="{FF2B5EF4-FFF2-40B4-BE49-F238E27FC236}">
-                <a16:creationId xmlns:a16="http://schemas.microsoft.com/office/drawing/2014/main" id="{A95476B5-1E9C-4966-A837-C59907BFE734}"/>
+                <a16:creationId xmlns:a16="http://schemas.microsoft.com/office/drawing/2014/main" id="{5F35EC65-637F-4F25-AF3D-88C85B7F4C5A}"/>
               </a:ext>
             </a:extLst>
           </p:cNvPr>
@@ -27252,7 +27450,7 @@
           <p:cNvPr id="7" name="Picture Placeholder 6">
             <a:extLst>
               <a:ext uri="{FF2B5EF4-FFF2-40B4-BE49-F238E27FC236}">
-                <a16:creationId xmlns:a16="http://schemas.microsoft.com/office/drawing/2014/main" id="{7D601646-1816-4E8A-A1FE-06A40762E26D}"/>
+                <a16:creationId xmlns:a16="http://schemas.microsoft.com/office/drawing/2014/main" id="{FCBD9C37-C9FD-4FD2-93A6-109107FADC39}"/>
               </a:ext>
             </a:extLst>
           </p:cNvPr>
@@ -27268,7 +27466,7 @@
     </p:spTree>
     <p:extLst>
       <p:ext uri="{BB962C8B-B14F-4D97-AF65-F5344CB8AC3E}">
-        <p14:creationId xmlns:p14="http://schemas.microsoft.com/office/powerpoint/2010/main" val="3685392559"/>
+        <p14:creationId xmlns:p14="http://schemas.microsoft.com/office/powerpoint/2010/main" val="3216689072"/>
       </p:ext>
     </p:extLst>
   </p:cSld>
@@ -27300,7 +27498,7 @@
           <p:cNvPr id="3" name="Title 2">
             <a:extLst>
               <a:ext uri="{FF2B5EF4-FFF2-40B4-BE49-F238E27FC236}">
-                <a16:creationId xmlns:a16="http://schemas.microsoft.com/office/drawing/2014/main" id="{A35928D3-4C9A-4276-9EB3-000EC79F9A61}"/>
+                <a16:creationId xmlns:a16="http://schemas.microsoft.com/office/drawing/2014/main" id="{327C4146-6D5B-4A3A-9108-BD96BDCB36E6}"/>
               </a:ext>
             </a:extLst>
           </p:cNvPr>
@@ -27328,7 +27526,7 @@
           <p:cNvPr id="4" name="Text Placeholder 3">
             <a:extLst>
               <a:ext uri="{FF2B5EF4-FFF2-40B4-BE49-F238E27FC236}">
-                <a16:creationId xmlns:a16="http://schemas.microsoft.com/office/drawing/2014/main" id="{FFD93AF0-1902-4E09-A4E7-92EFEA2165F6}"/>
+                <a16:creationId xmlns:a16="http://schemas.microsoft.com/office/drawing/2014/main" id="{F981A26E-E8CC-45A0-AC72-83570B43FF01}"/>
               </a:ext>
             </a:extLst>
           </p:cNvPr>
@@ -27346,7 +27544,7 @@
           <a:p>
             <a:r>
               <a:rPr lang="pt-BR" dirty="0"/>
-              <a:t>Suavização com filtro bilateral</a:t>
+              <a:t>Suavização pela mediana</a:t>
             </a:r>
           </a:p>
         </p:txBody>
@@ -27356,7 +27554,7 @@
           <p:cNvPr id="5" name="Content Placeholder 4">
             <a:extLst>
               <a:ext uri="{FF2B5EF4-FFF2-40B4-BE49-F238E27FC236}">
-                <a16:creationId xmlns:a16="http://schemas.microsoft.com/office/drawing/2014/main" id="{1C3E88EA-CF3C-4784-A457-0B828318599E}"/>
+                <a16:creationId xmlns:a16="http://schemas.microsoft.com/office/drawing/2014/main" id="{13976135-B96A-41C0-BD8E-13B2BC0F024E}"/>
               </a:ext>
             </a:extLst>
           </p:cNvPr>
@@ -27380,7 +27578,7 @@
             </a:pPr>
             <a:r>
               <a:rPr lang="pt-BR" sz="2000" dirty="0"/>
-              <a:t>É mais lento para calcular que os anteriores mas como vantagem apresenta a preservação de bordas e garante que o ruído seja removido. Além de um filtro gaussiano do espaço ao redor do pixel também é utilizado outro cálculo com outro filtro gaussiano que leva em conta a diferença de intensidade entre os pixels, dessa forma, como resultado temos uma maior manutenção das bordas das imagem.</a:t>
+              <a:t>Da mesma forma que a suavização anteriore, temos o cálculo de uma caixa ou janela quadrada sobre um pixel central onde matematicamente se utiliza a mediana para calcular o valor final do pixel.</a:t>
             </a:r>
           </a:p>
           <a:p>
@@ -27399,7 +27597,7 @@
                   <a:srgbClr val="C00000"/>
                 </a:solidFill>
               </a:rPr>
-              <a:t>cv2.bilateralFilter(img, 7, 49, 49)</a:t>
+              <a:t>cv2.medianBlur(img, 7)</a:t>
             </a:r>
           </a:p>
         </p:txBody>
@@ -27409,7 +27607,7 @@
           <p:cNvPr id="6" name="Slide Number Placeholder 5">
             <a:extLst>
               <a:ext uri="{FF2B5EF4-FFF2-40B4-BE49-F238E27FC236}">
-                <a16:creationId xmlns:a16="http://schemas.microsoft.com/office/drawing/2014/main" id="{9FF8D76D-7E57-4B00-A471-9BDAC85CFE02}"/>
+                <a16:creationId xmlns:a16="http://schemas.microsoft.com/office/drawing/2014/main" id="{A95476B5-1E9C-4966-A837-C59907BFE734}"/>
               </a:ext>
             </a:extLst>
           </p:cNvPr>
@@ -27439,7 +27637,7 @@
           <p:cNvPr id="7" name="Picture Placeholder 6">
             <a:extLst>
               <a:ext uri="{FF2B5EF4-FFF2-40B4-BE49-F238E27FC236}">
-                <a16:creationId xmlns:a16="http://schemas.microsoft.com/office/drawing/2014/main" id="{D68B08B5-CB29-4CB1-8FFD-73817B4B4AD8}"/>
+                <a16:creationId xmlns:a16="http://schemas.microsoft.com/office/drawing/2014/main" id="{7D601646-1816-4E8A-A1FE-06A40762E26D}"/>
               </a:ext>
             </a:extLst>
           </p:cNvPr>
@@ -27455,7 +27653,7 @@
     </p:spTree>
     <p:extLst>
       <p:ext uri="{BB962C8B-B14F-4D97-AF65-F5344CB8AC3E}">
-        <p14:creationId xmlns:p14="http://schemas.microsoft.com/office/powerpoint/2010/main" val="3895826934"/>
+        <p14:creationId xmlns:p14="http://schemas.microsoft.com/office/powerpoint/2010/main" val="3685392559"/>
       </p:ext>
     </p:extLst>
   </p:cSld>
@@ -27487,7 +27685,7 @@
           <p:cNvPr id="3" name="Title 2">
             <a:extLst>
               <a:ext uri="{FF2B5EF4-FFF2-40B4-BE49-F238E27FC236}">
-                <a16:creationId xmlns:a16="http://schemas.microsoft.com/office/drawing/2014/main" id="{D30989D6-199B-4256-97CA-ECF2DCDF8428}"/>
+                <a16:creationId xmlns:a16="http://schemas.microsoft.com/office/drawing/2014/main" id="{A35928D3-4C9A-4276-9EB3-000EC79F9A61}"/>
               </a:ext>
             </a:extLst>
           </p:cNvPr>
@@ -27505,7 +27703,7 @@
           <a:p>
             <a:r>
               <a:rPr lang="pt-BR" dirty="0"/>
-              <a:t>Binarização com limiar</a:t>
+              <a:t>Suavização de imagens</a:t>
             </a:r>
           </a:p>
         </p:txBody>
@@ -27515,7 +27713,7 @@
           <p:cNvPr id="4" name="Text Placeholder 3">
             <a:extLst>
               <a:ext uri="{FF2B5EF4-FFF2-40B4-BE49-F238E27FC236}">
-                <a16:creationId xmlns:a16="http://schemas.microsoft.com/office/drawing/2014/main" id="{FBBBCB92-11C4-46E4-8FB2-33365297E672}"/>
+                <a16:creationId xmlns:a16="http://schemas.microsoft.com/office/drawing/2014/main" id="{FFD93AF0-1902-4E09-A4E7-92EFEA2165F6}"/>
               </a:ext>
             </a:extLst>
           </p:cNvPr>
@@ -27533,7 +27731,7 @@
           <a:p>
             <a:r>
               <a:rPr lang="pt-BR" dirty="0"/>
-              <a:t>Threshold</a:t>
+              <a:t>Suavização com filtro bilateral</a:t>
             </a:r>
           </a:p>
         </p:txBody>
@@ -27543,7 +27741,7 @@
           <p:cNvPr id="5" name="Content Placeholder 4">
             <a:extLst>
               <a:ext uri="{FF2B5EF4-FFF2-40B4-BE49-F238E27FC236}">
-                <a16:creationId xmlns:a16="http://schemas.microsoft.com/office/drawing/2014/main" id="{C83DA5C7-6B38-4FC3-9BA9-1F9AE7AF34E5}"/>
+                <a16:creationId xmlns:a16="http://schemas.microsoft.com/office/drawing/2014/main" id="{1C3E88EA-CF3C-4784-A457-0B828318599E}"/>
               </a:ext>
             </a:extLst>
           </p:cNvPr>
@@ -27567,23 +27765,17 @@
             </a:pPr>
             <a:r>
               <a:rPr lang="pt-BR" sz="2000" dirty="0"/>
-              <a:t>Convertemos a imagem em tons de cinza para uma imagem em preto e branco onde todos os pixels possuem 0 ou 255 como valores de intensidade.</a:t>
+              <a:t>É mais lento para calcular que os anteriores mas como vantagem apresenta a preservação de bordas e garante que o ruído seja removido. Além de um filtro gaussiano do espaço ao redor do pixel também é utilizado outro cálculo com outro filtro gaussiano que leva em conta a diferença de intensidade entre os pixels, dessa forma, como resultado temos uma maior manutenção das bordas das imagem.</a:t>
             </a:r>
           </a:p>
           <a:p>
             <a:pPr marL="0" indent="0">
-              <a:lnSpc>
-                <a:spcPct val="100000"/>
-              </a:lnSpc>
               <a:buNone/>
             </a:pPr>
             <a:endParaRPr lang="pt-BR" dirty="0"/>
           </a:p>
           <a:p>
             <a:pPr marL="0" indent="0">
-              <a:lnSpc>
-                <a:spcPct val="100000"/>
-              </a:lnSpc>
               <a:buNone/>
             </a:pPr>
             <a:r>
@@ -27592,36 +27784,7 @@
                   <a:srgbClr val="C00000"/>
                 </a:solidFill>
               </a:rPr>
-              <a:t>cv2.GaussianBlur(img, (7, 7), 0) </a:t>
-            </a:r>
-          </a:p>
-          <a:p>
-            <a:pPr marL="0" indent="0">
-              <a:lnSpc>
-                <a:spcPct val="100000"/>
-              </a:lnSpc>
-              <a:buNone/>
-            </a:pPr>
-            <a:endParaRPr lang="pt-BR" dirty="0">
-              <a:solidFill>
-                <a:srgbClr val="C00000"/>
-              </a:solidFill>
-            </a:endParaRPr>
-          </a:p>
-          <a:p>
-            <a:pPr marL="0" indent="0">
-              <a:lnSpc>
-                <a:spcPct val="100000"/>
-              </a:lnSpc>
-              <a:buNone/>
-            </a:pPr>
-            <a:r>
-              <a:rPr lang="pt-BR" dirty="0">
-                <a:solidFill>
-                  <a:srgbClr val="C00000"/>
-                </a:solidFill>
-              </a:rPr>
-              <a:t>(T, bin) = cv2.threshold(img, 160, 255, cv2.THRESH_BINARY)</a:t>
+              <a:t>cv2.bilateralFilter(img, 7, 49, 49)</a:t>
             </a:r>
           </a:p>
         </p:txBody>
@@ -27631,7 +27794,7 @@
           <p:cNvPr id="6" name="Slide Number Placeholder 5">
             <a:extLst>
               <a:ext uri="{FF2B5EF4-FFF2-40B4-BE49-F238E27FC236}">
-                <a16:creationId xmlns:a16="http://schemas.microsoft.com/office/drawing/2014/main" id="{8AD2FA0B-6D80-44F8-BBC1-1CD462EF2A74}"/>
+                <a16:creationId xmlns:a16="http://schemas.microsoft.com/office/drawing/2014/main" id="{9FF8D76D-7E57-4B00-A471-9BDAC85CFE02}"/>
               </a:ext>
             </a:extLst>
           </p:cNvPr>
@@ -27661,7 +27824,7 @@
           <p:cNvPr id="7" name="Picture Placeholder 6">
             <a:extLst>
               <a:ext uri="{FF2B5EF4-FFF2-40B4-BE49-F238E27FC236}">
-                <a16:creationId xmlns:a16="http://schemas.microsoft.com/office/drawing/2014/main" id="{FD0C4386-0863-41BC-8BD1-15417CCA4CD3}"/>
+                <a16:creationId xmlns:a16="http://schemas.microsoft.com/office/drawing/2014/main" id="{D68B08B5-CB29-4CB1-8FFD-73817B4B4AD8}"/>
               </a:ext>
             </a:extLst>
           </p:cNvPr>
@@ -27677,7 +27840,7 @@
     </p:spTree>
     <p:extLst>
       <p:ext uri="{BB962C8B-B14F-4D97-AF65-F5344CB8AC3E}">
-        <p14:creationId xmlns:p14="http://schemas.microsoft.com/office/powerpoint/2010/main" val="3479990218"/>
+        <p14:creationId xmlns:p14="http://schemas.microsoft.com/office/powerpoint/2010/main" val="3895826934"/>
       </p:ext>
     </p:extLst>
   </p:cSld>
@@ -27823,24 +27986,6 @@
       </p:grpSpPr>
       <p:sp>
         <p:nvSpPr>
-          <p:cNvPr id="2" name="Picture Placeholder 1">
-            <a:extLst>
-              <a:ext uri="{FF2B5EF4-FFF2-40B4-BE49-F238E27FC236}">
-                <a16:creationId xmlns:a16="http://schemas.microsoft.com/office/drawing/2014/main" id="{7F4BE53F-9AF2-4E6B-9193-81101C63E697}"/>
-              </a:ext>
-            </a:extLst>
-          </p:cNvPr>
-          <p:cNvSpPr>
-            <a:spLocks noGrp="1"/>
-          </p:cNvSpPr>
-          <p:nvPr>
-            <p:ph type="pic" sz="quarter" idx="36"/>
-          </p:nvPr>
-        </p:nvSpPr>
-        <p:spPr/>
-      </p:sp>
-      <p:sp>
-        <p:nvSpPr>
           <p:cNvPr id="3" name="Title 2">
             <a:extLst>
               <a:ext uri="{FF2B5EF4-FFF2-40B4-BE49-F238E27FC236}">
@@ -27890,7 +28035,7 @@
           <a:p>
             <a:r>
               <a:rPr lang="pt-BR" dirty="0"/>
-              <a:t>Threshold adaptativo</a:t>
+              <a:t>Threshold</a:t>
             </a:r>
           </a:p>
         </p:txBody>
@@ -27916,7 +28061,70 @@
           <a:bodyPr/>
           <a:lstStyle/>
           <a:p>
-            <a:endParaRPr lang="pt-BR"/>
+            <a:pPr marL="0" indent="0">
+              <a:lnSpc>
+                <a:spcPct val="100000"/>
+              </a:lnSpc>
+              <a:buNone/>
+            </a:pPr>
+            <a:r>
+              <a:rPr lang="pt-BR" sz="2000" dirty="0"/>
+              <a:t>Convertemos a imagem em tons de cinza para uma imagem em preto e branco onde todos os pixels possuem 0 ou 255 como valores de intensidade.</a:t>
+            </a:r>
+          </a:p>
+          <a:p>
+            <a:pPr marL="0" indent="0">
+              <a:lnSpc>
+                <a:spcPct val="100000"/>
+              </a:lnSpc>
+              <a:buNone/>
+            </a:pPr>
+            <a:endParaRPr lang="pt-BR" dirty="0"/>
+          </a:p>
+          <a:p>
+            <a:pPr marL="0" indent="0">
+              <a:lnSpc>
+                <a:spcPct val="100000"/>
+              </a:lnSpc>
+              <a:buNone/>
+            </a:pPr>
+            <a:r>
+              <a:rPr lang="pt-BR" dirty="0">
+                <a:solidFill>
+                  <a:srgbClr val="C00000"/>
+                </a:solidFill>
+              </a:rPr>
+              <a:t>cv2.GaussianBlur(img, (7, 7), 0) </a:t>
+            </a:r>
+          </a:p>
+          <a:p>
+            <a:pPr marL="0" indent="0">
+              <a:lnSpc>
+                <a:spcPct val="100000"/>
+              </a:lnSpc>
+              <a:buNone/>
+            </a:pPr>
+            <a:endParaRPr lang="pt-BR" dirty="0">
+              <a:solidFill>
+                <a:srgbClr val="C00000"/>
+              </a:solidFill>
+            </a:endParaRPr>
+          </a:p>
+          <a:p>
+            <a:pPr marL="0" indent="0">
+              <a:lnSpc>
+                <a:spcPct val="100000"/>
+              </a:lnSpc>
+              <a:buNone/>
+            </a:pPr>
+            <a:r>
+              <a:rPr lang="pt-BR" dirty="0">
+                <a:solidFill>
+                  <a:srgbClr val="C00000"/>
+                </a:solidFill>
+              </a:rPr>
+              <a:t>(T, bin) = cv2.threshold(img, 160, 255, cv2.THRESH_BINARY)</a:t>
+            </a:r>
           </a:p>
         </p:txBody>
       </p:sp>
@@ -27950,10 +28158,28 @@
           </a:p>
         </p:txBody>
       </p:sp>
+      <p:sp>
+        <p:nvSpPr>
+          <p:cNvPr id="7" name="Picture Placeholder 6">
+            <a:extLst>
+              <a:ext uri="{FF2B5EF4-FFF2-40B4-BE49-F238E27FC236}">
+                <a16:creationId xmlns:a16="http://schemas.microsoft.com/office/drawing/2014/main" id="{FD0C4386-0863-41BC-8BD1-15417CCA4CD3}"/>
+              </a:ext>
+            </a:extLst>
+          </p:cNvPr>
+          <p:cNvSpPr>
+            <a:spLocks noGrp="1"/>
+          </p:cNvSpPr>
+          <p:nvPr>
+            <p:ph type="pic" sz="quarter" idx="36"/>
+          </p:nvPr>
+        </p:nvSpPr>
+        <p:spPr/>
+      </p:sp>
     </p:spTree>
     <p:extLst>
       <p:ext uri="{BB962C8B-B14F-4D97-AF65-F5344CB8AC3E}">
-        <p14:creationId xmlns:p14="http://schemas.microsoft.com/office/powerpoint/2010/main" val="2749521837"/>
+        <p14:creationId xmlns:p14="http://schemas.microsoft.com/office/powerpoint/2010/main" val="3479990218"/>
       </p:ext>
     </p:extLst>
   </p:cSld>
@@ -27985,7 +28211,7 @@
           <p:cNvPr id="2" name="Picture Placeholder 1">
             <a:extLst>
               <a:ext uri="{FF2B5EF4-FFF2-40B4-BE49-F238E27FC236}">
-                <a16:creationId xmlns:a16="http://schemas.microsoft.com/office/drawing/2014/main" id="{E29216FD-7E72-4C1F-8B36-1E4496D5F91D}"/>
+                <a16:creationId xmlns:a16="http://schemas.microsoft.com/office/drawing/2014/main" id="{7F4BE53F-9AF2-4E6B-9193-81101C63E697}"/>
               </a:ext>
             </a:extLst>
           </p:cNvPr>
@@ -28003,7 +28229,7 @@
           <p:cNvPr id="3" name="Title 2">
             <a:extLst>
               <a:ext uri="{FF2B5EF4-FFF2-40B4-BE49-F238E27FC236}">
-                <a16:creationId xmlns:a16="http://schemas.microsoft.com/office/drawing/2014/main" id="{89B79AC1-93F3-43D2-8888-D87761EDD43B}"/>
+                <a16:creationId xmlns:a16="http://schemas.microsoft.com/office/drawing/2014/main" id="{D30989D6-199B-4256-97CA-ECF2DCDF8428}"/>
               </a:ext>
             </a:extLst>
           </p:cNvPr>
@@ -28031,7 +28257,7 @@
           <p:cNvPr id="4" name="Text Placeholder 3">
             <a:extLst>
               <a:ext uri="{FF2B5EF4-FFF2-40B4-BE49-F238E27FC236}">
-                <a16:creationId xmlns:a16="http://schemas.microsoft.com/office/drawing/2014/main" id="{CBF506F8-4FE3-4C10-BC1B-E1E8A2C29E35}"/>
+                <a16:creationId xmlns:a16="http://schemas.microsoft.com/office/drawing/2014/main" id="{FBBBCB92-11C4-46E4-8FB2-33365297E672}"/>
               </a:ext>
             </a:extLst>
           </p:cNvPr>
@@ -28049,7 +28275,7 @@
           <a:p>
             <a:r>
               <a:rPr lang="pt-BR" dirty="0"/>
-              <a:t>Threshold com Otsu</a:t>
+              <a:t>Threshold adaptativo</a:t>
             </a:r>
           </a:p>
         </p:txBody>
@@ -28059,7 +28285,7 @@
           <p:cNvPr id="5" name="Content Placeholder 4">
             <a:extLst>
               <a:ext uri="{FF2B5EF4-FFF2-40B4-BE49-F238E27FC236}">
-                <a16:creationId xmlns:a16="http://schemas.microsoft.com/office/drawing/2014/main" id="{9F5A37FD-EDA6-48AB-9503-134D8852A122}"/>
+                <a16:creationId xmlns:a16="http://schemas.microsoft.com/office/drawing/2014/main" id="{C83DA5C7-6B38-4FC3-9BA9-1F9AE7AF34E5}"/>
               </a:ext>
             </a:extLst>
           </p:cNvPr>
@@ -28075,7 +28301,7 @@
           <a:bodyPr/>
           <a:lstStyle/>
           <a:p>
-            <a:endParaRPr lang="pt-BR" dirty="0"/>
+            <a:endParaRPr lang="pt-BR"/>
           </a:p>
         </p:txBody>
       </p:sp>
@@ -28084,7 +28310,7 @@
           <p:cNvPr id="6" name="Slide Number Placeholder 5">
             <a:extLst>
               <a:ext uri="{FF2B5EF4-FFF2-40B4-BE49-F238E27FC236}">
-                <a16:creationId xmlns:a16="http://schemas.microsoft.com/office/drawing/2014/main" id="{C428DDE4-6AEA-4DBB-8268-3725A32DDEF2}"/>
+                <a16:creationId xmlns:a16="http://schemas.microsoft.com/office/drawing/2014/main" id="{8AD2FA0B-6D80-44F8-BBC1-1CD462EF2A74}"/>
               </a:ext>
             </a:extLst>
           </p:cNvPr>
@@ -28112,7 +28338,7 @@
     </p:spTree>
     <p:extLst>
       <p:ext uri="{BB962C8B-B14F-4D97-AF65-F5344CB8AC3E}">
-        <p14:creationId xmlns:p14="http://schemas.microsoft.com/office/powerpoint/2010/main" val="2505125989"/>
+        <p14:creationId xmlns:p14="http://schemas.microsoft.com/office/powerpoint/2010/main" val="2749521837"/>
       </p:ext>
     </p:extLst>
   </p:cSld>
@@ -28141,10 +28367,28 @@
       </p:grpSpPr>
       <p:sp>
         <p:nvSpPr>
+          <p:cNvPr id="2" name="Picture Placeholder 1">
+            <a:extLst>
+              <a:ext uri="{FF2B5EF4-FFF2-40B4-BE49-F238E27FC236}">
+                <a16:creationId xmlns:a16="http://schemas.microsoft.com/office/drawing/2014/main" id="{E29216FD-7E72-4C1F-8B36-1E4496D5F91D}"/>
+              </a:ext>
+            </a:extLst>
+          </p:cNvPr>
+          <p:cNvSpPr>
+            <a:spLocks noGrp="1"/>
+          </p:cNvSpPr>
+          <p:nvPr>
+            <p:ph type="pic" sz="quarter" idx="36"/>
+          </p:nvPr>
+        </p:nvSpPr>
+        <p:spPr/>
+      </p:sp>
+      <p:sp>
+        <p:nvSpPr>
           <p:cNvPr id="3" name="Title 2">
             <a:extLst>
               <a:ext uri="{FF2B5EF4-FFF2-40B4-BE49-F238E27FC236}">
-                <a16:creationId xmlns:a16="http://schemas.microsoft.com/office/drawing/2014/main" id="{CC833B91-5D60-43BD-9222-F3B40718C5B5}"/>
+                <a16:creationId xmlns:a16="http://schemas.microsoft.com/office/drawing/2014/main" id="{89B79AC1-93F3-43D2-8888-D87761EDD43B}"/>
               </a:ext>
             </a:extLst>
           </p:cNvPr>
@@ -28162,7 +28406,7 @@
           <a:p>
             <a:r>
               <a:rPr lang="pt-BR" dirty="0"/>
-              <a:t>Segmentação</a:t>
+              <a:t>Binarização com limiar</a:t>
             </a:r>
           </a:p>
         </p:txBody>
@@ -28172,7 +28416,7 @@
           <p:cNvPr id="4" name="Text Placeholder 3">
             <a:extLst>
               <a:ext uri="{FF2B5EF4-FFF2-40B4-BE49-F238E27FC236}">
-                <a16:creationId xmlns:a16="http://schemas.microsoft.com/office/drawing/2014/main" id="{01A9827E-5617-45DA-817F-BD7C0B422C6C}"/>
+                <a16:creationId xmlns:a16="http://schemas.microsoft.com/office/drawing/2014/main" id="{CBF506F8-4FE3-4C10-BC1B-E1E8A2C29E35}"/>
               </a:ext>
             </a:extLst>
           </p:cNvPr>
@@ -28190,8 +28434,33 @@
           <a:p>
             <a:r>
               <a:rPr lang="pt-BR" dirty="0"/>
-              <a:t>Segmentação e métodos de detecção de bordas</a:t>
-            </a:r>
+              <a:t>Threshold com Otsu</a:t>
+            </a:r>
+          </a:p>
+        </p:txBody>
+      </p:sp>
+      <p:sp>
+        <p:nvSpPr>
+          <p:cNvPr id="5" name="Content Placeholder 4">
+            <a:extLst>
+              <a:ext uri="{FF2B5EF4-FFF2-40B4-BE49-F238E27FC236}">
+                <a16:creationId xmlns:a16="http://schemas.microsoft.com/office/drawing/2014/main" id="{9F5A37FD-EDA6-48AB-9503-134D8852A122}"/>
+              </a:ext>
+            </a:extLst>
+          </p:cNvPr>
+          <p:cNvSpPr>
+            <a:spLocks noGrp="1"/>
+          </p:cNvSpPr>
+          <p:nvPr>
+            <p:ph sz="half" idx="1"/>
+          </p:nvPr>
+        </p:nvSpPr>
+        <p:spPr/>
+        <p:txBody>
+          <a:bodyPr/>
+          <a:lstStyle/>
+          <a:p>
+            <a:endParaRPr lang="pt-BR" dirty="0"/>
           </a:p>
         </p:txBody>
       </p:sp>
@@ -28200,7 +28469,7 @@
           <p:cNvPr id="6" name="Slide Number Placeholder 5">
             <a:extLst>
               <a:ext uri="{FF2B5EF4-FFF2-40B4-BE49-F238E27FC236}">
-                <a16:creationId xmlns:a16="http://schemas.microsoft.com/office/drawing/2014/main" id="{EE2D252B-811C-4757-BA2F-8497CF0806E2}"/>
+                <a16:creationId xmlns:a16="http://schemas.microsoft.com/office/drawing/2014/main" id="{C428DDE4-6AEA-4DBB-8268-3725A32DDEF2}"/>
               </a:ext>
             </a:extLst>
           </p:cNvPr>
@@ -28225,53 +28494,10 @@
           </a:p>
         </p:txBody>
       </p:sp>
-      <p:sp>
-        <p:nvSpPr>
-          <p:cNvPr id="5" name="Content Placeholder 4">
-            <a:extLst>
-              <a:ext uri="{FF2B5EF4-FFF2-40B4-BE49-F238E27FC236}">
-                <a16:creationId xmlns:a16="http://schemas.microsoft.com/office/drawing/2014/main" id="{BE7C5CDB-5E89-4C4D-9ECF-45D6B1E75B5A}"/>
-              </a:ext>
-            </a:extLst>
-          </p:cNvPr>
-          <p:cNvSpPr>
-            <a:spLocks noGrp="1"/>
-          </p:cNvSpPr>
-          <p:nvPr>
-            <p:ph sz="half" idx="1"/>
-          </p:nvPr>
-        </p:nvSpPr>
-        <p:spPr/>
-        <p:txBody>
-          <a:bodyPr/>
-          <a:lstStyle/>
-          <a:p>
-            <a:endParaRPr lang="pt-BR"/>
-          </a:p>
-        </p:txBody>
-      </p:sp>
-      <p:sp>
-        <p:nvSpPr>
-          <p:cNvPr id="9" name="Picture Placeholder 8">
-            <a:extLst>
-              <a:ext uri="{FF2B5EF4-FFF2-40B4-BE49-F238E27FC236}">
-                <a16:creationId xmlns:a16="http://schemas.microsoft.com/office/drawing/2014/main" id="{A8F3B9D5-E35D-4313-AE87-F76147A5889B}"/>
-              </a:ext>
-            </a:extLst>
-          </p:cNvPr>
-          <p:cNvSpPr>
-            <a:spLocks noGrp="1"/>
-          </p:cNvSpPr>
-          <p:nvPr>
-            <p:ph type="pic" sz="quarter" idx="36"/>
-          </p:nvPr>
-        </p:nvSpPr>
-        <p:spPr/>
-      </p:sp>
     </p:spTree>
     <p:extLst>
       <p:ext uri="{BB962C8B-B14F-4D97-AF65-F5344CB8AC3E}">
-        <p14:creationId xmlns:p14="http://schemas.microsoft.com/office/powerpoint/2010/main" val="384377682"/>
+        <p14:creationId xmlns:p14="http://schemas.microsoft.com/office/powerpoint/2010/main" val="2505125989"/>
       </p:ext>
     </p:extLst>
   </p:cSld>
@@ -28300,6 +28526,165 @@
       </p:grpSpPr>
       <p:sp>
         <p:nvSpPr>
+          <p:cNvPr id="3" name="Title 2">
+            <a:extLst>
+              <a:ext uri="{FF2B5EF4-FFF2-40B4-BE49-F238E27FC236}">
+                <a16:creationId xmlns:a16="http://schemas.microsoft.com/office/drawing/2014/main" id="{CC833B91-5D60-43BD-9222-F3B40718C5B5}"/>
+              </a:ext>
+            </a:extLst>
+          </p:cNvPr>
+          <p:cNvSpPr>
+            <a:spLocks noGrp="1"/>
+          </p:cNvSpPr>
+          <p:nvPr>
+            <p:ph type="title"/>
+          </p:nvPr>
+        </p:nvSpPr>
+        <p:spPr/>
+        <p:txBody>
+          <a:bodyPr/>
+          <a:lstStyle/>
+          <a:p>
+            <a:r>
+              <a:rPr lang="pt-BR" dirty="0"/>
+              <a:t>Segmentação</a:t>
+            </a:r>
+          </a:p>
+        </p:txBody>
+      </p:sp>
+      <p:sp>
+        <p:nvSpPr>
+          <p:cNvPr id="4" name="Text Placeholder 3">
+            <a:extLst>
+              <a:ext uri="{FF2B5EF4-FFF2-40B4-BE49-F238E27FC236}">
+                <a16:creationId xmlns:a16="http://schemas.microsoft.com/office/drawing/2014/main" id="{01A9827E-5617-45DA-817F-BD7C0B422C6C}"/>
+              </a:ext>
+            </a:extLst>
+          </p:cNvPr>
+          <p:cNvSpPr>
+            <a:spLocks noGrp="1"/>
+          </p:cNvSpPr>
+          <p:nvPr>
+            <p:ph type="body" sz="quarter" idx="32"/>
+          </p:nvPr>
+        </p:nvSpPr>
+        <p:spPr/>
+        <p:txBody>
+          <a:bodyPr/>
+          <a:lstStyle/>
+          <a:p>
+            <a:r>
+              <a:rPr lang="pt-BR" dirty="0"/>
+              <a:t>Segmentação e métodos de detecção de bordas</a:t>
+            </a:r>
+          </a:p>
+        </p:txBody>
+      </p:sp>
+      <p:sp>
+        <p:nvSpPr>
+          <p:cNvPr id="6" name="Slide Number Placeholder 5">
+            <a:extLst>
+              <a:ext uri="{FF2B5EF4-FFF2-40B4-BE49-F238E27FC236}">
+                <a16:creationId xmlns:a16="http://schemas.microsoft.com/office/drawing/2014/main" id="{EE2D252B-811C-4757-BA2F-8497CF0806E2}"/>
+              </a:ext>
+            </a:extLst>
+          </p:cNvPr>
+          <p:cNvSpPr>
+            <a:spLocks noGrp="1"/>
+          </p:cNvSpPr>
+          <p:nvPr>
+            <p:ph type="sldNum" sz="quarter" idx="33"/>
+          </p:nvPr>
+        </p:nvSpPr>
+        <p:spPr/>
+        <p:txBody>
+          <a:bodyPr/>
+          <a:lstStyle/>
+          <a:p>
+            <a:fld id="{19B51A1E-902D-48AF-9020-955120F399B6}" type="slidenum">
+              <a:rPr lang="en-ZA" smtClean="0"/>
+              <a:pPr/>
+              <a:t>23</a:t>
+            </a:fld>
+            <a:endParaRPr lang="en-ZA" dirty="0"/>
+          </a:p>
+        </p:txBody>
+      </p:sp>
+      <p:sp>
+        <p:nvSpPr>
+          <p:cNvPr id="5" name="Content Placeholder 4">
+            <a:extLst>
+              <a:ext uri="{FF2B5EF4-FFF2-40B4-BE49-F238E27FC236}">
+                <a16:creationId xmlns:a16="http://schemas.microsoft.com/office/drawing/2014/main" id="{BE7C5CDB-5E89-4C4D-9ECF-45D6B1E75B5A}"/>
+              </a:ext>
+            </a:extLst>
+          </p:cNvPr>
+          <p:cNvSpPr>
+            <a:spLocks noGrp="1"/>
+          </p:cNvSpPr>
+          <p:nvPr>
+            <p:ph sz="half" idx="1"/>
+          </p:nvPr>
+        </p:nvSpPr>
+        <p:spPr/>
+        <p:txBody>
+          <a:bodyPr/>
+          <a:lstStyle/>
+          <a:p>
+            <a:endParaRPr lang="pt-BR"/>
+          </a:p>
+        </p:txBody>
+      </p:sp>
+      <p:sp>
+        <p:nvSpPr>
+          <p:cNvPr id="9" name="Picture Placeholder 8">
+            <a:extLst>
+              <a:ext uri="{FF2B5EF4-FFF2-40B4-BE49-F238E27FC236}">
+                <a16:creationId xmlns:a16="http://schemas.microsoft.com/office/drawing/2014/main" id="{A8F3B9D5-E35D-4313-AE87-F76147A5889B}"/>
+              </a:ext>
+            </a:extLst>
+          </p:cNvPr>
+          <p:cNvSpPr>
+            <a:spLocks noGrp="1"/>
+          </p:cNvSpPr>
+          <p:nvPr>
+            <p:ph type="pic" sz="quarter" idx="36"/>
+          </p:nvPr>
+        </p:nvSpPr>
+        <p:spPr/>
+      </p:sp>
+    </p:spTree>
+    <p:extLst>
+      <p:ext uri="{BB962C8B-B14F-4D97-AF65-F5344CB8AC3E}">
+        <p14:creationId xmlns:p14="http://schemas.microsoft.com/office/powerpoint/2010/main" val="384377682"/>
+      </p:ext>
+    </p:extLst>
+  </p:cSld>
+  <p:clrMapOvr>
+    <a:masterClrMapping/>
+  </p:clrMapOvr>
+</p:sld>
+</file>
+
+<file path=ppt/slides/slide24.xml><?xml version="1.0" encoding="utf-8"?>
+<p:sld xmlns:a="http://schemas.openxmlformats.org/drawingml/2006/main" xmlns:r="http://schemas.openxmlformats.org/officeDocument/2006/relationships" xmlns:p="http://schemas.openxmlformats.org/presentationml/2006/main">
+  <p:cSld>
+    <p:spTree>
+      <p:nvGrpSpPr>
+        <p:cNvPr id="1" name=""/>
+        <p:cNvGrpSpPr/>
+        <p:nvPr/>
+      </p:nvGrpSpPr>
+      <p:grpSpPr>
+        <a:xfrm>
+          <a:off x="0" y="0"/>
+          <a:ext cx="0" cy="0"/>
+          <a:chOff x="0" y="0"/>
+          <a:chExt cx="0" cy="0"/>
+        </a:xfrm>
+      </p:grpSpPr>
+      <p:sp>
+        <p:nvSpPr>
           <p:cNvPr id="2" name="Title 1">
             <a:extLst>
               <a:ext uri="{FF2B5EF4-FFF2-40B4-BE49-F238E27FC236}">
@@ -28520,7 +28905,7 @@
             <a:fld id="{19B51A1E-902D-48AF-9020-955120F399B6}" type="slidenum">
               <a:rPr lang="en-ZA" smtClean="0"/>
               <a:pPr/>
-              <a:t>23</a:t>
+              <a:t>24</a:t>
             </a:fld>
             <a:endParaRPr lang="en-ZA" dirty="0"/>
           </a:p>
@@ -28539,7 +28924,7 @@
 </p:sld>
 </file>
 
-<file path=ppt/slides/slide24.xml><?xml version="1.0" encoding="utf-8"?>
+<file path=ppt/slides/slide25.xml><?xml version="1.0" encoding="utf-8"?>
 <p:sld xmlns:a="http://schemas.openxmlformats.org/drawingml/2006/main" xmlns:r="http://schemas.openxmlformats.org/officeDocument/2006/relationships" xmlns:p="http://schemas.openxmlformats.org/presentationml/2006/main">
   <p:cSld>
     <p:spTree>
@@ -29093,7 +29478,7 @@
             <a:fld id="{19B51A1E-902D-48AF-9020-955120F399B6}" type="slidenum">
               <a:rPr lang="en-ZA" smtClean="0"/>
               <a:pPr/>
-              <a:t>24</a:t>
+              <a:t>25</a:t>
             </a:fld>
             <a:endParaRPr lang="en-ZA" dirty="0"/>
           </a:p>
@@ -29531,7 +29916,12 @@
             <a:fillRect/>
           </a:stretch>
         </p:blipFill>
-        <p:spPr/>
+        <p:spPr>
+          <a:xfrm>
+            <a:off x="6812170" y="2376298"/>
+            <a:ext cx="2405261" cy="2125239"/>
+          </a:xfrm>
+        </p:spPr>
       </p:pic>
     </p:spTree>
     <p:extLst>
@@ -29766,8 +30156,8 @@
         </p:nvSpPr>
         <p:spPr>
           <a:xfrm>
-            <a:off x="432001" y="1012242"/>
-            <a:ext cx="5664000" cy="5569427"/>
+            <a:off x="432001" y="1249507"/>
+            <a:ext cx="5664000" cy="5332162"/>
           </a:xfrm>
         </p:spPr>
         <p:txBody>
@@ -29776,8 +30166,47 @@
           <a:p>
             <a:r>
               <a:rPr lang="pt-BR" sz="2000" dirty="0"/>
-              <a:t>Para este projeto, usamos placas de sinalização rodoviárias do Brasil. Usamos um conjunto contendo 28 placas.</a:t>
-            </a:r>
+              <a:t>Para este projeto, usamos placas de sinalização rodoviárias do Brasil. Usamos um conjunto contendo 28 placas, com formas e cores diferentes.</a:t>
+            </a:r>
+          </a:p>
+          <a:p>
+            <a:endParaRPr lang="pt-BR" sz="2000" dirty="0"/>
+          </a:p>
+          <a:p>
+            <a:r>
+              <a:rPr lang="pt-BR" sz="2000" dirty="0"/>
+              <a:t>Deverá ser feito uma entrada de dados, na forma de uma imagem, que será analisada e comparada com as imagens do </a:t>
+            </a:r>
+            <a:r>
+              <a:rPr lang="pt-BR" sz="2000" dirty="0" err="1"/>
+              <a:t>dataset</a:t>
+            </a:r>
+            <a:r>
+              <a:rPr lang="pt-BR" sz="2000" dirty="0"/>
+              <a:t> de controle.</a:t>
+            </a:r>
+          </a:p>
+          <a:p>
+            <a:endParaRPr lang="pt-BR" sz="2000" dirty="0"/>
+          </a:p>
+          <a:p>
+            <a:r>
+              <a:rPr lang="pt-BR" sz="2000" dirty="0"/>
+              <a:t>A saída será a imagem do </a:t>
+            </a:r>
+            <a:r>
+              <a:rPr lang="pt-BR" sz="2000" dirty="0" err="1"/>
+              <a:t>dataset</a:t>
+            </a:r>
+            <a:r>
+              <a:rPr lang="pt-BR" sz="2000" dirty="0"/>
+              <a:t> que mais se assemelhar à imagem de entrada, ou nenhuma saída, se não for encontrada uma proximidade superior a 90%. Nos eventos em que forem encontradas semelhanças a mais de uma placa, a de maior aproximação será </a:t>
+            </a:r>
+            <a:r>
+              <a:rPr lang="pt-BR" sz="2000"/>
+              <a:t>a escolhida.</a:t>
+            </a:r>
+            <a:endParaRPr lang="pt-BR" sz="2000" dirty="0"/>
           </a:p>
         </p:txBody>
       </p:sp>
@@ -29833,12 +30262,36 @@
         </p:blipFill>
         <p:spPr>
           <a:xfrm>
-            <a:off x="9333989" y="1249507"/>
+            <a:off x="9638326" y="1249507"/>
             <a:ext cx="1452995" cy="1452995"/>
           </a:xfrm>
-          <a:prstGeom prst="rect">
-            <a:avLst/>
+          <a:prstGeom prst="roundRect">
+            <a:avLst>
+              <a:gd name="adj" fmla="val 16667"/>
+            </a:avLst>
           </a:prstGeom>
+          <a:ln>
+            <a:noFill/>
+          </a:ln>
+          <a:effectLst>
+            <a:outerShdw blurRad="76200" dist="38100" dir="7800000" algn="tl" rotWithShape="0">
+              <a:srgbClr val="000000">
+                <a:alpha val="40000"/>
+              </a:srgbClr>
+            </a:outerShdw>
+          </a:effectLst>
+          <a:scene3d>
+            <a:camera prst="orthographicFront"/>
+            <a:lightRig rig="contrasting" dir="t">
+              <a:rot lat="0" lon="0" rev="4200000"/>
+            </a:lightRig>
+          </a:scene3d>
+          <a:sp3d prstMaterial="plastic">
+            <a:bevelT w="381000" h="114300" prst="relaxedInset"/>
+            <a:contourClr>
+              <a:srgbClr val="969696"/>
+            </a:contourClr>
+          </a:sp3d>
         </p:spPr>
       </p:pic>
       <p:pic>
@@ -29863,12 +30316,36 @@
         </p:blipFill>
         <p:spPr>
           <a:xfrm>
-            <a:off x="8607491" y="3429000"/>
+            <a:off x="9638326" y="4155497"/>
             <a:ext cx="1452995" cy="1452995"/>
           </a:xfrm>
-          <a:prstGeom prst="rect">
-            <a:avLst/>
+          <a:prstGeom prst="roundRect">
+            <a:avLst>
+              <a:gd name="adj" fmla="val 16667"/>
+            </a:avLst>
           </a:prstGeom>
+          <a:ln>
+            <a:noFill/>
+          </a:ln>
+          <a:effectLst>
+            <a:outerShdw blurRad="76200" dist="38100" dir="7800000" algn="tl" rotWithShape="0">
+              <a:srgbClr val="000000">
+                <a:alpha val="40000"/>
+              </a:srgbClr>
+            </a:outerShdw>
+          </a:effectLst>
+          <a:scene3d>
+            <a:camera prst="orthographicFront"/>
+            <a:lightRig rig="contrasting" dir="t">
+              <a:rot lat="0" lon="0" rev="4200000"/>
+            </a:lightRig>
+          </a:scene3d>
+          <a:sp3d prstMaterial="plastic">
+            <a:bevelT w="381000" h="114300" prst="relaxedInset"/>
+            <a:contourClr>
+              <a:srgbClr val="969696"/>
+            </a:contourClr>
+          </a:sp3d>
         </p:spPr>
       </p:pic>
       <p:pic>
@@ -29893,12 +30370,36 @@
         </p:blipFill>
         <p:spPr>
           <a:xfrm>
-            <a:off x="6625249" y="864000"/>
+            <a:off x="6732336" y="1249507"/>
             <a:ext cx="1452995" cy="1452995"/>
           </a:xfrm>
-          <a:prstGeom prst="rect">
-            <a:avLst/>
+          <a:prstGeom prst="roundRect">
+            <a:avLst>
+              <a:gd name="adj" fmla="val 16667"/>
+            </a:avLst>
           </a:prstGeom>
+          <a:ln>
+            <a:noFill/>
+          </a:ln>
+          <a:effectLst>
+            <a:outerShdw blurRad="76200" dist="38100" dir="7800000" algn="tl" rotWithShape="0">
+              <a:srgbClr val="000000">
+                <a:alpha val="40000"/>
+              </a:srgbClr>
+            </a:outerShdw>
+          </a:effectLst>
+          <a:scene3d>
+            <a:camera prst="orthographicFront"/>
+            <a:lightRig rig="contrasting" dir="t">
+              <a:rot lat="0" lon="0" rev="4200000"/>
+            </a:lightRig>
+          </a:scene3d>
+          <a:sp3d prstMaterial="plastic">
+            <a:bevelT w="381000" h="114300" prst="relaxedInset"/>
+            <a:contourClr>
+              <a:srgbClr val="969696"/>
+            </a:contourClr>
+          </a:sp3d>
         </p:spPr>
       </p:pic>
       <p:pic>
@@ -29923,12 +30424,90 @@
         </p:blipFill>
         <p:spPr>
           <a:xfrm>
-            <a:off x="7880994" y="1976005"/>
+            <a:off x="8185331" y="2702502"/>
             <a:ext cx="1452995" cy="1452995"/>
           </a:xfrm>
-          <a:prstGeom prst="rect">
-            <a:avLst/>
+          <a:prstGeom prst="roundRect">
+            <a:avLst>
+              <a:gd name="adj" fmla="val 16667"/>
+            </a:avLst>
           </a:prstGeom>
+          <a:ln>
+            <a:noFill/>
+          </a:ln>
+          <a:effectLst>
+            <a:outerShdw blurRad="76200" dist="38100" dir="7800000" algn="tl" rotWithShape="0">
+              <a:srgbClr val="000000">
+                <a:alpha val="40000"/>
+              </a:srgbClr>
+            </a:outerShdw>
+          </a:effectLst>
+          <a:scene3d>
+            <a:camera prst="orthographicFront"/>
+            <a:lightRig rig="contrasting" dir="t">
+              <a:rot lat="0" lon="0" rev="4200000"/>
+            </a:lightRig>
+          </a:scene3d>
+          <a:sp3d prstMaterial="plastic">
+            <a:bevelT w="381000" h="114300" prst="relaxedInset"/>
+            <a:contourClr>
+              <a:srgbClr val="969696"/>
+            </a:contourClr>
+          </a:sp3d>
+        </p:spPr>
+      </p:pic>
+      <p:pic>
+        <p:nvPicPr>
+          <p:cNvPr id="7" name="Imagem 6">
+            <a:extLst>
+              <a:ext uri="{FF2B5EF4-FFF2-40B4-BE49-F238E27FC236}">
+                <a16:creationId xmlns:a16="http://schemas.microsoft.com/office/drawing/2014/main" id="{31AA55BF-4076-4FEC-A5E8-DBA5C0F1429C}"/>
+              </a:ext>
+            </a:extLst>
+          </p:cNvPr>
+          <p:cNvPicPr>
+            <a:picLocks noChangeAspect="1"/>
+          </p:cNvPicPr>
+          <p:nvPr/>
+        </p:nvPicPr>
+        <p:blipFill>
+          <a:blip r:embed="rId6"/>
+          <a:stretch>
+            <a:fillRect/>
+          </a:stretch>
+        </p:blipFill>
+        <p:spPr>
+          <a:xfrm>
+            <a:off x="6732336" y="4155496"/>
+            <a:ext cx="1452995" cy="1452995"/>
+          </a:xfrm>
+          <a:prstGeom prst="roundRect">
+            <a:avLst>
+              <a:gd name="adj" fmla="val 16667"/>
+            </a:avLst>
+          </a:prstGeom>
+          <a:ln>
+            <a:noFill/>
+          </a:ln>
+          <a:effectLst>
+            <a:outerShdw blurRad="76200" dist="38100" dir="7800000" algn="tl" rotWithShape="0">
+              <a:srgbClr val="000000">
+                <a:alpha val="40000"/>
+              </a:srgbClr>
+            </a:outerShdw>
+          </a:effectLst>
+          <a:scene3d>
+            <a:camera prst="orthographicFront"/>
+            <a:lightRig rig="contrasting" dir="t">
+              <a:rot lat="0" lon="0" rev="4200000"/>
+            </a:lightRig>
+          </a:scene3d>
+          <a:sp3d prstMaterial="plastic">
+            <a:bevelT w="381000" h="114300" prst="relaxedInset"/>
+            <a:contourClr>
+              <a:srgbClr val="969696"/>
+            </a:contourClr>
+          </a:sp3d>
         </p:spPr>
       </p:pic>
     </p:spTree>
@@ -29963,28 +30542,10 @@
       </p:grpSpPr>
       <p:sp>
         <p:nvSpPr>
-          <p:cNvPr id="2" name="Picture Placeholder 1">
+          <p:cNvPr id="3" name="Título 2">
             <a:extLst>
               <a:ext uri="{FF2B5EF4-FFF2-40B4-BE49-F238E27FC236}">
-                <a16:creationId xmlns:a16="http://schemas.microsoft.com/office/drawing/2014/main" id="{79364D0E-D808-483C-8E22-A8BCDC5058F6}"/>
-              </a:ext>
-            </a:extLst>
-          </p:cNvPr>
-          <p:cNvSpPr>
-            <a:spLocks noGrp="1"/>
-          </p:cNvSpPr>
-          <p:nvPr>
-            <p:ph type="pic" sz="quarter" idx="36"/>
-          </p:nvPr>
-        </p:nvSpPr>
-        <p:spPr/>
-      </p:sp>
-      <p:sp>
-        <p:nvSpPr>
-          <p:cNvPr id="3" name="Title 2">
-            <a:extLst>
-              <a:ext uri="{FF2B5EF4-FFF2-40B4-BE49-F238E27FC236}">
-                <a16:creationId xmlns:a16="http://schemas.microsoft.com/office/drawing/2014/main" id="{4D865AD3-EFCB-407A-8083-2835B2A607A6}"/>
+                <a16:creationId xmlns:a16="http://schemas.microsoft.com/office/drawing/2014/main" id="{B4A354C4-A66B-4EF3-AFBE-8D59650BA329}"/>
               </a:ext>
             </a:extLst>
           </p:cNvPr>
@@ -30000,16 +30561,19 @@
           <a:bodyPr/>
           <a:lstStyle/>
           <a:p>
-            <a:endParaRPr lang="pt-BR"/>
+            <a:r>
+              <a:rPr lang="pt-BR" dirty="0"/>
+              <a:t>Delimitação do projeto</a:t>
+            </a:r>
           </a:p>
         </p:txBody>
       </p:sp>
       <p:sp>
         <p:nvSpPr>
-          <p:cNvPr id="4" name="Text Placeholder 3">
+          <p:cNvPr id="4" name="Espaço Reservado para Texto 3">
             <a:extLst>
               <a:ext uri="{FF2B5EF4-FFF2-40B4-BE49-F238E27FC236}">
-                <a16:creationId xmlns:a16="http://schemas.microsoft.com/office/drawing/2014/main" id="{598AD429-C58D-4706-B187-A45A5D52B240}"/>
+                <a16:creationId xmlns:a16="http://schemas.microsoft.com/office/drawing/2014/main" id="{27EE7845-DE5A-4761-98C4-AF8A8D383BCE}"/>
               </a:ext>
             </a:extLst>
           </p:cNvPr>
@@ -30020,46 +30584,137 @@
             <p:ph type="body" sz="quarter" idx="32"/>
           </p:nvPr>
         </p:nvSpPr>
-        <p:spPr/>
+        <p:spPr>
+          <a:xfrm>
+            <a:off x="432001" y="1012242"/>
+            <a:ext cx="5664000" cy="5569427"/>
+          </a:xfrm>
+        </p:spPr>
         <p:txBody>
           <a:bodyPr/>
           <a:lstStyle/>
           <a:p>
-            <a:endParaRPr lang="pt-BR"/>
+            <a:r>
+              <a:rPr lang="pt-BR" sz="2000" dirty="0"/>
+              <a:t>Restrições para entrada de dados:</a:t>
+            </a:r>
+          </a:p>
+          <a:p>
+            <a:pPr marL="342900" indent="-342900">
+              <a:buFont typeface="Arial" panose="020B0604020202020204" pitchFamily="34" charset="0"/>
+              <a:buChar char="•"/>
+            </a:pPr>
+            <a:r>
+              <a:rPr lang="pt-BR" sz="2000" dirty="0"/>
+              <a:t>Imagens devem ser coloridas.</a:t>
+            </a:r>
+          </a:p>
+          <a:p>
+            <a:pPr marL="342900" indent="-342900">
+              <a:buFont typeface="Arial" panose="020B0604020202020204" pitchFamily="34" charset="0"/>
+              <a:buChar char="•"/>
+            </a:pPr>
+            <a:r>
+              <a:rPr lang="pt-BR" sz="2000" dirty="0"/>
+              <a:t>Imagens devem ser sem ruído.</a:t>
+            </a:r>
+          </a:p>
+          <a:p>
+            <a:pPr marL="342900" indent="-342900">
+              <a:buFont typeface="Arial" panose="020B0604020202020204" pitchFamily="34" charset="0"/>
+              <a:buChar char="•"/>
+            </a:pPr>
+            <a:r>
+              <a:rPr lang="pt-BR" sz="2000" dirty="0"/>
+              <a:t>Imagens devem ser sem </a:t>
+            </a:r>
+            <a:r>
+              <a:rPr lang="pt-BR" sz="2000" dirty="0" err="1"/>
+              <a:t>blur</a:t>
+            </a:r>
+            <a:r>
+              <a:rPr lang="pt-BR" sz="2000" dirty="0"/>
+              <a:t>.</a:t>
+            </a:r>
+          </a:p>
+          <a:p>
+            <a:pPr marL="342900" indent="-342900">
+              <a:buFont typeface="Arial" panose="020B0604020202020204" pitchFamily="34" charset="0"/>
+              <a:buChar char="•"/>
+            </a:pPr>
+            <a:r>
+              <a:rPr lang="pt-BR" sz="2000" dirty="0"/>
+              <a:t>Imagens feitas durante o período do dia.</a:t>
+            </a:r>
+          </a:p>
+          <a:p>
+            <a:pPr marL="342900" indent="-342900">
+              <a:buFont typeface="Arial" panose="020B0604020202020204" pitchFamily="34" charset="0"/>
+              <a:buChar char="•"/>
+            </a:pPr>
+            <a:r>
+              <a:rPr lang="pt-BR" sz="2000" dirty="0"/>
+              <a:t>Resolução de 500x500 pixels.</a:t>
+            </a:r>
+          </a:p>
+          <a:p>
+            <a:pPr marL="342900" indent="-342900">
+              <a:buFont typeface="Arial" panose="020B0604020202020204" pitchFamily="34" charset="0"/>
+              <a:buChar char="•"/>
+            </a:pPr>
+            <a:r>
+              <a:rPr lang="pt-BR" sz="2000" dirty="0"/>
+              <a:t>A placa a ser analisada deverá estar bem enquadrada, de frente.</a:t>
+            </a:r>
+          </a:p>
+          <a:p>
+            <a:pPr marL="342900" indent="-342900">
+              <a:buFont typeface="Arial" panose="020B0604020202020204" pitchFamily="34" charset="0"/>
+              <a:buChar char="•"/>
+            </a:pPr>
+            <a:r>
+              <a:rPr lang="pt-BR" sz="2000" dirty="0"/>
+              <a:t>A placa não pode possuir objetos que obstruam a sua visão.</a:t>
+            </a:r>
+          </a:p>
+          <a:p>
+            <a:pPr marL="342900" indent="-342900">
+              <a:buFont typeface="Arial" panose="020B0604020202020204" pitchFamily="34" charset="0"/>
+              <a:buChar char="•"/>
+            </a:pPr>
+            <a:r>
+              <a:rPr lang="pt-BR" sz="2000" dirty="0"/>
+              <a:t>A placa não pode ter objetos próximos que possam alterar o seu contorno.</a:t>
+            </a:r>
+          </a:p>
+          <a:p>
+            <a:pPr marL="342900" indent="-342900">
+              <a:buFont typeface="Arial" panose="020B0604020202020204" pitchFamily="34" charset="0"/>
+              <a:buChar char="•"/>
+            </a:pPr>
+            <a:r>
+              <a:rPr lang="pt-BR" sz="2000" dirty="0"/>
+              <a:t>Só pode haver uma placa na imagem.</a:t>
+            </a:r>
+          </a:p>
+          <a:p>
+            <a:pPr marL="342900" indent="-342900">
+              <a:buFont typeface="Arial" panose="020B0604020202020204" pitchFamily="34" charset="0"/>
+              <a:buChar char="•"/>
+            </a:pPr>
+            <a:endParaRPr lang="pt-BR" sz="2000" dirty="0"/>
+          </a:p>
+          <a:p>
+            <a:endParaRPr lang="pt-BR" sz="2000" dirty="0"/>
           </a:p>
         </p:txBody>
       </p:sp>
       <p:sp>
         <p:nvSpPr>
-          <p:cNvPr id="5" name="Content Placeholder 4">
+          <p:cNvPr id="6" name="Espaço Reservado para Número de Slide 5">
             <a:extLst>
               <a:ext uri="{FF2B5EF4-FFF2-40B4-BE49-F238E27FC236}">
-                <a16:creationId xmlns:a16="http://schemas.microsoft.com/office/drawing/2014/main" id="{B9F15B1D-1401-47ED-9741-DC6FFAD8A894}"/>
-              </a:ext>
-            </a:extLst>
-          </p:cNvPr>
-          <p:cNvSpPr>
-            <a:spLocks noGrp="1"/>
-          </p:cNvSpPr>
-          <p:nvPr>
-            <p:ph sz="half" idx="1"/>
-          </p:nvPr>
-        </p:nvSpPr>
-        <p:spPr/>
-        <p:txBody>
-          <a:bodyPr/>
-          <a:lstStyle/>
-          <a:p>
-            <a:endParaRPr lang="pt-BR" dirty="0"/>
-          </a:p>
-        </p:txBody>
-      </p:sp>
-      <p:sp>
-        <p:nvSpPr>
-          <p:cNvPr id="6" name="Slide Number Placeholder 5">
-            <a:extLst>
-              <a:ext uri="{FF2B5EF4-FFF2-40B4-BE49-F238E27FC236}">
-                <a16:creationId xmlns:a16="http://schemas.microsoft.com/office/drawing/2014/main" id="{BC9C57AA-D6C8-468A-A6DD-308AFAAE5A82}"/>
+                <a16:creationId xmlns:a16="http://schemas.microsoft.com/office/drawing/2014/main" id="{642AF86B-595D-4327-AE2F-2DC81BC3809D}"/>
               </a:ext>
             </a:extLst>
           </p:cNvPr>
@@ -30084,10 +30739,75 @@
           </a:p>
         </p:txBody>
       </p:sp>
+      <p:pic>
+        <p:nvPicPr>
+          <p:cNvPr id="7" name="Imagem 6" descr="Imagem recomendada&#10;">
+            <a:extLst>
+              <a:ext uri="{FF2B5EF4-FFF2-40B4-BE49-F238E27FC236}">
+                <a16:creationId xmlns:a16="http://schemas.microsoft.com/office/drawing/2014/main" id="{8F6DBF6D-1985-456C-8FE0-3860249D224A}"/>
+              </a:ext>
+            </a:extLst>
+          </p:cNvPr>
+          <p:cNvPicPr>
+            <a:picLocks noChangeAspect="1"/>
+          </p:cNvPicPr>
+          <p:nvPr/>
+        </p:nvPicPr>
+        <p:blipFill>
+          <a:blip r:embed="rId2"/>
+          <a:stretch>
+            <a:fillRect/>
+          </a:stretch>
+        </p:blipFill>
+        <p:spPr>
+          <a:xfrm>
+            <a:off x="8483547" y="647999"/>
+            <a:ext cx="2800753" cy="2800753"/>
+          </a:xfrm>
+          <a:prstGeom prst="rect">
+            <a:avLst/>
+          </a:prstGeom>
+        </p:spPr>
+      </p:pic>
+      <p:sp>
+        <p:nvSpPr>
+          <p:cNvPr id="9" name="CaixaDeTexto 8">
+            <a:extLst>
+              <a:ext uri="{FF2B5EF4-FFF2-40B4-BE49-F238E27FC236}">
+                <a16:creationId xmlns:a16="http://schemas.microsoft.com/office/drawing/2014/main" id="{ABE70F4C-A200-4491-8AA0-7288DEF12DB0}"/>
+              </a:ext>
+            </a:extLst>
+          </p:cNvPr>
+          <p:cNvSpPr txBox="1"/>
+          <p:nvPr/>
+        </p:nvSpPr>
+        <p:spPr>
+          <a:xfrm>
+            <a:off x="8483547" y="3448752"/>
+            <a:ext cx="2800753" cy="369332"/>
+          </a:xfrm>
+          <a:prstGeom prst="rect">
+            <a:avLst/>
+          </a:prstGeom>
+          <a:noFill/>
+        </p:spPr>
+        <p:txBody>
+          <a:bodyPr wrap="square" rtlCol="0">
+            <a:spAutoFit/>
+          </a:bodyPr>
+          <a:lstStyle/>
+          <a:p>
+            <a:r>
+              <a:rPr lang="pt-BR" dirty="0"/>
+              <a:t>Imagem recomendada</a:t>
+            </a:r>
+          </a:p>
+        </p:txBody>
+      </p:sp>
     </p:spTree>
     <p:extLst>
       <p:ext uri="{BB962C8B-B14F-4D97-AF65-F5344CB8AC3E}">
-        <p14:creationId xmlns:p14="http://schemas.microsoft.com/office/powerpoint/2010/main" val="1993028846"/>
+        <p14:creationId xmlns:p14="http://schemas.microsoft.com/office/powerpoint/2010/main" val="2220130997"/>
       </p:ext>
     </p:extLst>
   </p:cSld>
@@ -30116,10 +30836,10 @@
       </p:grpSpPr>
       <p:sp>
         <p:nvSpPr>
-          <p:cNvPr id="6" name="Title 5">
+          <p:cNvPr id="2" name="Título 1">
             <a:extLst>
               <a:ext uri="{FF2B5EF4-FFF2-40B4-BE49-F238E27FC236}">
-                <a16:creationId xmlns:a16="http://schemas.microsoft.com/office/drawing/2014/main" id="{0D28F3C0-CCD3-49F1-B056-C7E3C563516B}"/>
+                <a16:creationId xmlns:a16="http://schemas.microsoft.com/office/drawing/2014/main" id="{F38CCCA8-83E3-44BB-9592-AE744BF53378}"/>
               </a:ext>
             </a:extLst>
           </p:cNvPr>
@@ -30135,19 +30855,16 @@
           <a:bodyPr/>
           <a:lstStyle/>
           <a:p>
-            <a:r>
-              <a:rPr lang="pt-BR" dirty="0"/>
-              <a:t>Sistemas de cores</a:t>
-            </a:r>
+            <a:endParaRPr lang="pt-BR"/>
           </a:p>
         </p:txBody>
       </p:sp>
       <p:sp>
         <p:nvSpPr>
-          <p:cNvPr id="8" name="Text Placeholder 7">
+          <p:cNvPr id="3" name="Espaço Reservado para Texto 2">
             <a:extLst>
               <a:ext uri="{FF2B5EF4-FFF2-40B4-BE49-F238E27FC236}">
-                <a16:creationId xmlns:a16="http://schemas.microsoft.com/office/drawing/2014/main" id="{86E2B2AB-DFC0-4986-AFA8-9B055E8EAF42}"/>
+                <a16:creationId xmlns:a16="http://schemas.microsoft.com/office/drawing/2014/main" id="{075BAE3C-F329-45C0-A957-61B345668F68}"/>
               </a:ext>
             </a:extLst>
           </p:cNvPr>
@@ -30163,96 +30880,16 @@
           <a:bodyPr/>
           <a:lstStyle/>
           <a:p>
-            <a:r>
-              <a:rPr lang="pt-BR" sz="2000" dirty="0"/>
-              <a:t>Canais da imagem</a:t>
-            </a:r>
+            <a:endParaRPr lang="pt-BR"/>
           </a:p>
         </p:txBody>
       </p:sp>
       <p:sp>
         <p:nvSpPr>
-          <p:cNvPr id="7" name="Content Placeholder 6">
+          <p:cNvPr id="4" name="Espaço Reservado para Número de Slide 3">
             <a:extLst>
               <a:ext uri="{FF2B5EF4-FFF2-40B4-BE49-F238E27FC236}">
-                <a16:creationId xmlns:a16="http://schemas.microsoft.com/office/drawing/2014/main" id="{6339C2BE-369D-4E53-A791-3C987602B59F}"/>
-              </a:ext>
-            </a:extLst>
-          </p:cNvPr>
-          <p:cNvSpPr>
-            <a:spLocks noGrp="1"/>
-          </p:cNvSpPr>
-          <p:nvPr>
-            <p:ph sz="half" idx="1"/>
-          </p:nvPr>
-        </p:nvSpPr>
-        <p:spPr>
-          <a:xfrm>
-            <a:off x="432000" y="1511566"/>
-            <a:ext cx="5158095" cy="4680434"/>
-          </a:xfrm>
-        </p:spPr>
-        <p:txBody>
-          <a:bodyPr/>
-          <a:lstStyle/>
-          <a:p>
-            <a:pPr marL="0" indent="0">
-              <a:lnSpc>
-                <a:spcPct val="150000"/>
-              </a:lnSpc>
-              <a:buNone/>
-            </a:pPr>
-            <a:r>
-              <a:rPr lang="pt-BR" sz="2000" dirty="0"/>
-              <a:t>O objeto de uma imagem colorida é uma matriz de 3 dimensões (3 canais) contendo em cada dimensão uma das 3 cores do </a:t>
-            </a:r>
-            <a:r>
-              <a:rPr lang="pt-BR" sz="2000" b="1" dirty="0"/>
-              <a:t>espeço RGB</a:t>
-            </a:r>
-            <a:r>
-              <a:rPr lang="pt-BR" sz="2000" dirty="0"/>
-              <a:t> (Red, Green, Blue).</a:t>
-            </a:r>
-          </a:p>
-          <a:p>
-            <a:pPr marL="0" indent="0">
-              <a:lnSpc>
-                <a:spcPct val="150000"/>
-              </a:lnSpc>
-              <a:buNone/>
-            </a:pPr>
-            <a:endParaRPr lang="pt-BR" sz="2000" dirty="0"/>
-          </a:p>
-          <a:p>
-            <a:pPr marL="0" indent="0">
-              <a:lnSpc>
-                <a:spcPct val="150000"/>
-              </a:lnSpc>
-              <a:buNone/>
-            </a:pPr>
-            <a:r>
-              <a:rPr lang="pt-BR" sz="2000" dirty="0"/>
-              <a:t>No caso de uma imagem em tons de cinza temos apenas um canal, ou seja, apenas uma matriz de 2 dimensões</a:t>
-            </a:r>
-          </a:p>
-          <a:p>
-            <a:pPr marL="0" indent="0">
-              <a:lnSpc>
-                <a:spcPct val="150000"/>
-              </a:lnSpc>
-              <a:buNone/>
-            </a:pPr>
-            <a:endParaRPr lang="pt-BR" dirty="0"/>
-          </a:p>
-        </p:txBody>
-      </p:sp>
-      <p:sp>
-        <p:nvSpPr>
-          <p:cNvPr id="5" name="Slide Number Placeholder 4">
-            <a:extLst>
-              <a:ext uri="{FF2B5EF4-FFF2-40B4-BE49-F238E27FC236}">
-                <a16:creationId xmlns:a16="http://schemas.microsoft.com/office/drawing/2014/main" id="{89D04B4C-9279-4F71-B8EA-DA92DE7F613A}"/>
+                <a16:creationId xmlns:a16="http://schemas.microsoft.com/office/drawing/2014/main" id="{4F5AA8F7-BBC9-4A7E-AE77-7970B4589FDF}"/>
               </a:ext>
             </a:extLst>
           </p:cNvPr>
@@ -30277,28 +30914,10 @@
           </a:p>
         </p:txBody>
       </p:sp>
-      <p:sp>
-        <p:nvSpPr>
-          <p:cNvPr id="3" name="Picture Placeholder 2">
-            <a:extLst>
-              <a:ext uri="{FF2B5EF4-FFF2-40B4-BE49-F238E27FC236}">
-                <a16:creationId xmlns:a16="http://schemas.microsoft.com/office/drawing/2014/main" id="{F2022175-56C0-41F9-B848-63E18312EC99}"/>
-              </a:ext>
-            </a:extLst>
-          </p:cNvPr>
-          <p:cNvSpPr>
-            <a:spLocks noGrp="1"/>
-          </p:cNvSpPr>
-          <p:nvPr>
-            <p:ph type="pic" sz="quarter" idx="36"/>
-          </p:nvPr>
-        </p:nvSpPr>
-        <p:spPr/>
-      </p:sp>
     </p:spTree>
     <p:extLst>
       <p:ext uri="{BB962C8B-B14F-4D97-AF65-F5344CB8AC3E}">
-        <p14:creationId xmlns:p14="http://schemas.microsoft.com/office/powerpoint/2010/main" val="4158620699"/>
+        <p14:creationId xmlns:p14="http://schemas.microsoft.com/office/powerpoint/2010/main" val="4033740075"/>
       </p:ext>
     </p:extLst>
   </p:cSld>
@@ -30327,10 +30946,10 @@
       </p:grpSpPr>
       <p:sp>
         <p:nvSpPr>
-          <p:cNvPr id="3" name="Title 2">
+          <p:cNvPr id="6" name="Title 5">
             <a:extLst>
               <a:ext uri="{FF2B5EF4-FFF2-40B4-BE49-F238E27FC236}">
-                <a16:creationId xmlns:a16="http://schemas.microsoft.com/office/drawing/2014/main" id="{4DD07902-5021-493A-A03A-87EDEC873E97}"/>
+                <a16:creationId xmlns:a16="http://schemas.microsoft.com/office/drawing/2014/main" id="{0D28F3C0-CCD3-49F1-B056-C7E3C563516B}"/>
               </a:ext>
             </a:extLst>
           </p:cNvPr>
@@ -30341,12 +30960,7 @@
             <p:ph type="title"/>
           </p:nvPr>
         </p:nvSpPr>
-        <p:spPr>
-          <a:xfrm>
-            <a:off x="432000" y="432000"/>
-            <a:ext cx="5472000" cy="432000"/>
-          </a:xfrm>
-        </p:spPr>
+        <p:spPr/>
         <p:txBody>
           <a:bodyPr/>
           <a:lstStyle/>
@@ -30360,10 +30974,10 @@
       </p:sp>
       <p:sp>
         <p:nvSpPr>
-          <p:cNvPr id="4" name="Text Placeholder 3">
+          <p:cNvPr id="8" name="Text Placeholder 7">
             <a:extLst>
               <a:ext uri="{FF2B5EF4-FFF2-40B4-BE49-F238E27FC236}">
-                <a16:creationId xmlns:a16="http://schemas.microsoft.com/office/drawing/2014/main" id="{E02AE708-90FE-4D9B-8069-FA7A05ADDFF2}"/>
+                <a16:creationId xmlns:a16="http://schemas.microsoft.com/office/drawing/2014/main" id="{86E2B2AB-DFC0-4986-AFA8-9B055E8EAF42}"/>
               </a:ext>
             </a:extLst>
           </p:cNvPr>
@@ -30374,32 +30988,101 @@
             <p:ph type="body" sz="quarter" idx="32"/>
           </p:nvPr>
         </p:nvSpPr>
+        <p:spPr/>
+        <p:txBody>
+          <a:bodyPr/>
+          <a:lstStyle/>
+          <a:p>
+            <a:r>
+              <a:rPr lang="pt-BR" sz="2000" dirty="0"/>
+              <a:t>Canais da imagem</a:t>
+            </a:r>
+          </a:p>
+        </p:txBody>
+      </p:sp>
+      <p:sp>
+        <p:nvSpPr>
+          <p:cNvPr id="7" name="Content Placeholder 6">
+            <a:extLst>
+              <a:ext uri="{FF2B5EF4-FFF2-40B4-BE49-F238E27FC236}">
+                <a16:creationId xmlns:a16="http://schemas.microsoft.com/office/drawing/2014/main" id="{6339C2BE-369D-4E53-A791-3C987602B59F}"/>
+              </a:ext>
+            </a:extLst>
+          </p:cNvPr>
+          <p:cNvSpPr>
+            <a:spLocks noGrp="1"/>
+          </p:cNvSpPr>
+          <p:nvPr>
+            <p:ph sz="half" idx="1"/>
+          </p:nvPr>
+        </p:nvSpPr>
         <p:spPr>
           <a:xfrm>
-            <a:off x="431801" y="1008000"/>
-            <a:ext cx="5472000" cy="360000"/>
+            <a:off x="432000" y="1511566"/>
+            <a:ext cx="5158095" cy="4680434"/>
           </a:xfrm>
         </p:spPr>
         <p:txBody>
           <a:bodyPr/>
           <a:lstStyle/>
           <a:p>
+            <a:pPr marL="0" indent="0">
+              <a:lnSpc>
+                <a:spcPct val="150000"/>
+              </a:lnSpc>
+              <a:buNone/>
+            </a:pPr>
             <a:r>
               <a:rPr lang="pt-BR" sz="2000" dirty="0"/>
-              <a:t>Canais da imagem colorida</a:t>
-            </a:r>
-          </a:p>
-          <a:p>
+              <a:t>O objeto de uma imagem colorida é uma matriz de 3 dimensões (3 canais) contendo em cada dimensão uma das 3 cores do </a:t>
+            </a:r>
+            <a:r>
+              <a:rPr lang="pt-BR" sz="2000" b="1" dirty="0"/>
+              <a:t>espeço RGB</a:t>
+            </a:r>
+            <a:r>
+              <a:rPr lang="pt-BR" sz="2000" dirty="0"/>
+              <a:t> (Red, Green, Blue).</a:t>
+            </a:r>
+          </a:p>
+          <a:p>
+            <a:pPr marL="0" indent="0">
+              <a:lnSpc>
+                <a:spcPct val="150000"/>
+              </a:lnSpc>
+              <a:buNone/>
+            </a:pPr>
+            <a:endParaRPr lang="pt-BR" sz="2000" dirty="0"/>
+          </a:p>
+          <a:p>
+            <a:pPr marL="0" indent="0">
+              <a:lnSpc>
+                <a:spcPct val="150000"/>
+              </a:lnSpc>
+              <a:buNone/>
+            </a:pPr>
+            <a:r>
+              <a:rPr lang="pt-BR" sz="2000" dirty="0"/>
+              <a:t>No caso de uma imagem em tons de cinza temos apenas um canal, ou seja, apenas uma matriz de 2 dimensões</a:t>
+            </a:r>
+          </a:p>
+          <a:p>
+            <a:pPr marL="0" indent="0">
+              <a:lnSpc>
+                <a:spcPct val="150000"/>
+              </a:lnSpc>
+              <a:buNone/>
+            </a:pPr>
             <a:endParaRPr lang="pt-BR" dirty="0"/>
           </a:p>
         </p:txBody>
       </p:sp>
       <p:sp>
         <p:nvSpPr>
-          <p:cNvPr id="6" name="Slide Number Placeholder 5">
+          <p:cNvPr id="5" name="Slide Number Placeholder 4">
             <a:extLst>
               <a:ext uri="{FF2B5EF4-FFF2-40B4-BE49-F238E27FC236}">
-                <a16:creationId xmlns:a16="http://schemas.microsoft.com/office/drawing/2014/main" id="{B555E711-D53E-4DBC-81EA-56D932EF8F17}"/>
+                <a16:creationId xmlns:a16="http://schemas.microsoft.com/office/drawing/2014/main" id="{89D04B4C-9279-4F71-B8EA-DA92DE7F613A}"/>
               </a:ext>
             </a:extLst>
           </p:cNvPr>
@@ -30410,12 +31093,7 @@
             <p:ph type="sldNum" sz="quarter" idx="33"/>
           </p:nvPr>
         </p:nvSpPr>
-        <p:spPr>
-          <a:xfrm>
-            <a:off x="11727656" y="6277243"/>
-            <a:ext cx="464344" cy="400188"/>
-          </a:xfrm>
-        </p:spPr>
+        <p:spPr/>
         <p:txBody>
           <a:bodyPr/>
           <a:lstStyle/>
@@ -30431,235 +31109,10 @@
       </p:sp>
       <p:sp>
         <p:nvSpPr>
-          <p:cNvPr id="19" name="Rectangle 18">
+          <p:cNvPr id="3" name="Picture Placeholder 2">
             <a:extLst>
               <a:ext uri="{FF2B5EF4-FFF2-40B4-BE49-F238E27FC236}">
-                <a16:creationId xmlns:a16="http://schemas.microsoft.com/office/drawing/2014/main" id="{623826BE-83E2-4FE5-8F31-99F68ADC47B7}"/>
-              </a:ext>
-            </a:extLst>
-          </p:cNvPr>
-          <p:cNvSpPr/>
-          <p:nvPr/>
-        </p:nvSpPr>
-        <p:spPr>
-          <a:xfrm>
-            <a:off x="8629896" y="3615418"/>
-            <a:ext cx="2826287" cy="707886"/>
-          </a:xfrm>
-          <a:prstGeom prst="rect">
-            <a:avLst/>
-          </a:prstGeom>
-          <a:noFill/>
-        </p:spPr>
-        <p:txBody>
-          <a:bodyPr wrap="square" lIns="91440" tIns="45720" rIns="91440" bIns="45720">
-            <a:spAutoFit/>
-          </a:bodyPr>
-          <a:lstStyle/>
-          <a:p>
-            <a:pPr algn="ctr"/>
-            <a:r>
-              <a:rPr lang="en-US" sz="4000" b="1" dirty="0" err="1">
-                <a:ln w="22225">
-                  <a:solidFill>
-                    <a:schemeClr val="accent2"/>
-                  </a:solidFill>
-                  <a:prstDash val="solid"/>
-                </a:ln>
-                <a:solidFill>
-                  <a:schemeClr val="accent2">
-                    <a:lumMod val="40000"/>
-                    <a:lumOff val="60000"/>
-                  </a:schemeClr>
-                </a:solidFill>
-              </a:rPr>
-              <a:t>Vermelho</a:t>
-            </a:r>
-            <a:endParaRPr lang="en-US" sz="4000" b="1" cap="none" spc="0" dirty="0">
-              <a:ln w="22225">
-                <a:solidFill>
-                  <a:schemeClr val="accent2"/>
-                </a:solidFill>
-                <a:prstDash val="solid"/>
-              </a:ln>
-              <a:solidFill>
-                <a:schemeClr val="accent2">
-                  <a:lumMod val="40000"/>
-                  <a:lumOff val="60000"/>
-                </a:schemeClr>
-              </a:solidFill>
-              <a:effectLst/>
-            </a:endParaRPr>
-          </a:p>
-        </p:txBody>
-      </p:sp>
-      <p:sp>
-        <p:nvSpPr>
-          <p:cNvPr id="20" name="Rectangle 19">
-            <a:extLst>
-              <a:ext uri="{FF2B5EF4-FFF2-40B4-BE49-F238E27FC236}">
-                <a16:creationId xmlns:a16="http://schemas.microsoft.com/office/drawing/2014/main" id="{1CD9A32A-DAE3-439E-A85B-50A188608C8F}"/>
-              </a:ext>
-            </a:extLst>
-          </p:cNvPr>
-          <p:cNvSpPr/>
-          <p:nvPr/>
-        </p:nvSpPr>
-        <p:spPr>
-          <a:xfrm>
-            <a:off x="4922093" y="1631279"/>
-            <a:ext cx="1770917" cy="707886"/>
-          </a:xfrm>
-          <a:prstGeom prst="rect">
-            <a:avLst/>
-          </a:prstGeom>
-          <a:noFill/>
-        </p:spPr>
-        <p:txBody>
-          <a:bodyPr wrap="square" lIns="91440" tIns="45720" rIns="91440" bIns="45720">
-            <a:spAutoFit/>
-          </a:bodyPr>
-          <a:lstStyle/>
-          <a:p>
-            <a:pPr algn="ctr"/>
-            <a:r>
-              <a:rPr lang="en-US" sz="4000" b="1" dirty="0">
-                <a:ln w="12700">
-                  <a:solidFill>
-                    <a:schemeClr val="accent1"/>
-                  </a:solidFill>
-                  <a:prstDash val="solid"/>
-                </a:ln>
-                <a:pattFill prst="pct50">
-                  <a:fgClr>
-                    <a:schemeClr val="accent1"/>
-                  </a:fgClr>
-                  <a:bgClr>
-                    <a:schemeClr val="accent1">
-                      <a:lumMod val="20000"/>
-                      <a:lumOff val="80000"/>
-                    </a:schemeClr>
-                  </a:bgClr>
-                </a:pattFill>
-                <a:effectLst>
-                  <a:outerShdw dist="38100" dir="2640000" algn="bl" rotWithShape="0">
-                    <a:schemeClr val="accent1"/>
-                  </a:outerShdw>
-                </a:effectLst>
-              </a:rPr>
-              <a:t>Azul</a:t>
-            </a:r>
-          </a:p>
-        </p:txBody>
-      </p:sp>
-      <p:sp>
-        <p:nvSpPr>
-          <p:cNvPr id="21" name="Rectangle 20">
-            <a:extLst>
-              <a:ext uri="{FF2B5EF4-FFF2-40B4-BE49-F238E27FC236}">
-                <a16:creationId xmlns:a16="http://schemas.microsoft.com/office/drawing/2014/main" id="{061FC1A0-9E68-4B41-900B-99100643C404}"/>
-              </a:ext>
-            </a:extLst>
-          </p:cNvPr>
-          <p:cNvSpPr/>
-          <p:nvPr/>
-        </p:nvSpPr>
-        <p:spPr>
-          <a:xfrm>
-            <a:off x="8940103" y="221118"/>
-            <a:ext cx="2005660" cy="707886"/>
-          </a:xfrm>
-          <a:prstGeom prst="rect">
-            <a:avLst/>
-          </a:prstGeom>
-          <a:noFill/>
-        </p:spPr>
-        <p:txBody>
-          <a:bodyPr wrap="square" lIns="91440" tIns="45720" rIns="91440" bIns="45720">
-            <a:spAutoFit/>
-          </a:bodyPr>
-          <a:lstStyle/>
-          <a:p>
-            <a:pPr algn="ctr"/>
-            <a:r>
-              <a:rPr lang="en-US" sz="4000" b="1" dirty="0">
-                <a:ln w="12700">
-                  <a:solidFill>
-                    <a:schemeClr val="accent3">
-                      <a:lumMod val="50000"/>
-                    </a:schemeClr>
-                  </a:solidFill>
-                  <a:prstDash val="solid"/>
-                </a:ln>
-                <a:pattFill prst="narHorz">
-                  <a:fgClr>
-                    <a:schemeClr val="accent3"/>
-                  </a:fgClr>
-                  <a:bgClr>
-                    <a:schemeClr val="accent3">
-                      <a:lumMod val="40000"/>
-                      <a:lumOff val="60000"/>
-                    </a:schemeClr>
-                  </a:bgClr>
-                </a:pattFill>
-                <a:effectLst>
-                  <a:innerShdw blurRad="177800">
-                    <a:schemeClr val="accent3">
-                      <a:lumMod val="50000"/>
-                    </a:schemeClr>
-                  </a:innerShdw>
-                </a:effectLst>
-              </a:rPr>
-              <a:t>Verde</a:t>
-            </a:r>
-          </a:p>
-        </p:txBody>
-      </p:sp>
-      <p:sp>
-        <p:nvSpPr>
-          <p:cNvPr id="22" name="TextBox 21">
-            <a:extLst>
-              <a:ext uri="{FF2B5EF4-FFF2-40B4-BE49-F238E27FC236}">
-                <a16:creationId xmlns:a16="http://schemas.microsoft.com/office/drawing/2014/main" id="{031F5E69-B2B4-4CA5-BA72-55B811DADB6F}"/>
-              </a:ext>
-            </a:extLst>
-          </p:cNvPr>
-          <p:cNvSpPr txBox="1"/>
-          <p:nvPr/>
-        </p:nvSpPr>
-        <p:spPr>
-          <a:xfrm>
-            <a:off x="431801" y="6277243"/>
-            <a:ext cx="5988857" cy="369332"/>
-          </a:xfrm>
-          <a:prstGeom prst="rect">
-            <a:avLst/>
-          </a:prstGeom>
-          <a:noFill/>
-        </p:spPr>
-        <p:txBody>
-          <a:bodyPr wrap="square" rtlCol="0">
-            <a:spAutoFit/>
-          </a:bodyPr>
-          <a:lstStyle/>
-          <a:p>
-            <a:r>
-              <a:rPr lang="en-US" dirty="0">
-                <a:solidFill>
-                  <a:srgbClr val="C00000"/>
-                </a:solidFill>
-              </a:rPr>
-              <a:t>(blue, green, red) = cv2.split(image)</a:t>
-            </a:r>
-          </a:p>
-        </p:txBody>
-      </p:sp>
-      <p:sp>
-        <p:nvSpPr>
-          <p:cNvPr id="5" name="Content Placeholder 4">
-            <a:extLst>
-              <a:ext uri="{FF2B5EF4-FFF2-40B4-BE49-F238E27FC236}">
-                <a16:creationId xmlns:a16="http://schemas.microsoft.com/office/drawing/2014/main" id="{2C676F42-FC7E-469B-A064-6B08510DDB8B}"/>
+                <a16:creationId xmlns:a16="http://schemas.microsoft.com/office/drawing/2014/main" id="{F2022175-56C0-41F9-B848-63E18312EC99}"/>
               </a:ext>
             </a:extLst>
           </p:cNvPr>
@@ -30667,22 +31120,15 @@
             <a:spLocks noGrp="1"/>
           </p:cNvSpPr>
           <p:nvPr>
-            <p:ph sz="half" idx="1"/>
+            <p:ph type="pic" sz="quarter" idx="36"/>
           </p:nvPr>
         </p:nvSpPr>
         <p:spPr/>
-        <p:txBody>
-          <a:bodyPr/>
-          <a:lstStyle/>
-          <a:p>
-            <a:endParaRPr lang="pt-BR"/>
-          </a:p>
-        </p:txBody>
       </p:sp>
     </p:spTree>
     <p:extLst>
       <p:ext uri="{BB962C8B-B14F-4D97-AF65-F5344CB8AC3E}">
-        <p14:creationId xmlns:p14="http://schemas.microsoft.com/office/powerpoint/2010/main" val="430560541"/>
+        <p14:creationId xmlns:p14="http://schemas.microsoft.com/office/powerpoint/2010/main" val="4158620699"/>
       </p:ext>
     </p:extLst>
   </p:cSld>
